--- a/Kovun_for_masters_degree.pptx
+++ b/Kovun_for_masters_degree.pptx
@@ -3987,7 +3987,6 @@
               <a:rPr lang="ru-RU" sz="2400" dirty="0" smtClean="0"/>
               <a:t>1/30</a:t>
             </a:r>
-            <a:endParaRPr lang="ru-RU" sz="2400" dirty="0" smtClean="0"/>
           </a:p>
         </p:txBody>
       </p:sp>
@@ -4020,11 +4019,7 @@
             </a:pPr>
             <a:r>
               <a:rPr lang="ru-RU" b="1" i="1" dirty="0" smtClean="0"/>
-              <a:t>КРИТОСИСТЕМА</a:t>
-            </a:r>
-            <a:r>
-              <a:rPr lang="ru-RU" b="1" i="1" dirty="0" smtClean="0"/>
-              <a:t> </a:t>
+              <a:t>КРИПТОСИСТЕМА </a:t>
             </a:r>
             <a:r>
               <a:rPr lang="ru-RU" b="1" i="1" dirty="0" smtClean="0"/>
@@ -5909,7 +5904,6 @@
               <a:rPr lang="ru-RU" sz="2400" dirty="0" smtClean="0"/>
               <a:t> с целью выявления ошибок и недочетов.</a:t>
             </a:r>
-            <a:endParaRPr lang="ru-RU" sz="2400" dirty="0" smtClean="0"/>
           </a:p>
         </p:txBody>
       </p:sp>
@@ -6186,11 +6180,7 @@
             </a:r>
             <a:r>
               <a:rPr lang="ru-RU" sz="2400" dirty="0" smtClean="0"/>
-              <a:t>21</a:t>
-            </a:r>
-            <a:r>
-              <a:rPr lang="ru-RU" sz="2400" dirty="0" smtClean="0"/>
-              <a:t>/30</a:t>
+              <a:t>21/30</a:t>
             </a:r>
             <a:endParaRPr lang="ru-RU" sz="2400" dirty="0"/>
           </a:p>
@@ -8418,7 +8408,31 @@
               <a:rPr lang="ru-RU" sz="2400" dirty="0">
                 <a:latin typeface="Times New Roman" pitchFamily="18" charset="0"/>
               </a:rPr>
-              <a:t>3. Длина открытого и закрытого ключей, по современным представлениям, 1024 бит или более.</a:t>
+              <a:t>3. Длина открытого и закрытого ключей, по современным представлениям</a:t>
+            </a:r>
+            <a:r>
+              <a:rPr lang="ru-RU" sz="2400">
+                <a:latin typeface="Times New Roman" pitchFamily="18" charset="0"/>
+              </a:rPr>
+              <a:t>, </a:t>
+            </a:r>
+            <a:r>
+              <a:rPr lang="ru-RU" sz="2400" smtClean="0">
+                <a:latin typeface="Times New Roman" pitchFamily="18" charset="0"/>
+              </a:rPr>
+              <a:t>2048</a:t>
+            </a:r>
+            <a:r>
+              <a:rPr lang="ru-RU" sz="2400" smtClean="0">
+                <a:latin typeface="Times New Roman" pitchFamily="18" charset="0"/>
+              </a:rPr>
+              <a:t> </a:t>
+            </a:r>
+            <a:r>
+              <a:rPr lang="ru-RU" sz="2400" dirty="0">
+                <a:latin typeface="Times New Roman" pitchFamily="18" charset="0"/>
+              </a:rPr>
+              <a:t>бит или более.</a:t>
             </a:r>
           </a:p>
           <a:p>

--- a/Kovun_for_masters_degree.pptx
+++ b/Kovun_for_masters_degree.pptx
@@ -5,42 +5,43 @@
     <p:sldMasterId id="2147483649" r:id="rId1"/>
   </p:sldMasterIdLst>
   <p:notesMasterIdLst>
-    <p:notesMasterId r:id="rId32"/>
+    <p:notesMasterId r:id="rId33"/>
   </p:notesMasterIdLst>
   <p:handoutMasterIdLst>
-    <p:handoutMasterId r:id="rId33"/>
+    <p:handoutMasterId r:id="rId34"/>
   </p:handoutMasterIdLst>
   <p:sldIdLst>
     <p:sldId id="315" r:id="rId2"/>
     <p:sldId id="307" r:id="rId3"/>
-    <p:sldId id="317" r:id="rId4"/>
-    <p:sldId id="318" r:id="rId5"/>
-    <p:sldId id="306" r:id="rId6"/>
-    <p:sldId id="293" r:id="rId7"/>
-    <p:sldId id="300" r:id="rId8"/>
-    <p:sldId id="294" r:id="rId9"/>
-    <p:sldId id="295" r:id="rId10"/>
-    <p:sldId id="312" r:id="rId11"/>
-    <p:sldId id="301" r:id="rId12"/>
-    <p:sldId id="302" r:id="rId13"/>
-    <p:sldId id="303" r:id="rId14"/>
-    <p:sldId id="304" r:id="rId15"/>
-    <p:sldId id="311" r:id="rId16"/>
-    <p:sldId id="320" r:id="rId17"/>
-    <p:sldId id="321" r:id="rId18"/>
-    <p:sldId id="322" r:id="rId19"/>
-    <p:sldId id="324" r:id="rId20"/>
-    <p:sldId id="325" r:id="rId21"/>
-    <p:sldId id="326" r:id="rId22"/>
-    <p:sldId id="309" r:id="rId23"/>
-    <p:sldId id="310" r:id="rId24"/>
-    <p:sldId id="308" r:id="rId25"/>
-    <p:sldId id="323" r:id="rId26"/>
-    <p:sldId id="327" r:id="rId27"/>
-    <p:sldId id="305" r:id="rId28"/>
-    <p:sldId id="319" r:id="rId29"/>
-    <p:sldId id="314" r:id="rId30"/>
-    <p:sldId id="298" r:id="rId31"/>
+    <p:sldId id="328" r:id="rId4"/>
+    <p:sldId id="317" r:id="rId5"/>
+    <p:sldId id="318" r:id="rId6"/>
+    <p:sldId id="306" r:id="rId7"/>
+    <p:sldId id="293" r:id="rId8"/>
+    <p:sldId id="300" r:id="rId9"/>
+    <p:sldId id="294" r:id="rId10"/>
+    <p:sldId id="295" r:id="rId11"/>
+    <p:sldId id="312" r:id="rId12"/>
+    <p:sldId id="301" r:id="rId13"/>
+    <p:sldId id="302" r:id="rId14"/>
+    <p:sldId id="303" r:id="rId15"/>
+    <p:sldId id="304" r:id="rId16"/>
+    <p:sldId id="311" r:id="rId17"/>
+    <p:sldId id="320" r:id="rId18"/>
+    <p:sldId id="321" r:id="rId19"/>
+    <p:sldId id="322" r:id="rId20"/>
+    <p:sldId id="324" r:id="rId21"/>
+    <p:sldId id="325" r:id="rId22"/>
+    <p:sldId id="326" r:id="rId23"/>
+    <p:sldId id="309" r:id="rId24"/>
+    <p:sldId id="310" r:id="rId25"/>
+    <p:sldId id="308" r:id="rId26"/>
+    <p:sldId id="323" r:id="rId27"/>
+    <p:sldId id="327" r:id="rId28"/>
+    <p:sldId id="305" r:id="rId29"/>
+    <p:sldId id="319" r:id="rId30"/>
+    <p:sldId id="314" r:id="rId31"/>
+    <p:sldId id="298" r:id="rId32"/>
   </p:sldIdLst>
   <p:sldSz cx="9144000" cy="6858000" type="screen4x3"/>
   <p:notesSz cx="6858000" cy="9144000"/>
@@ -819,6 +820,91 @@
     </a:lvl9pPr>
   </p:notesStyle>
 </p:notesMaster>
+</file>
+
+<file path=ppt/notesSlides/notesSlide1.xml><?xml version="1.0" encoding="utf-8"?>
+<p:notes xmlns:a="http://schemas.openxmlformats.org/drawingml/2006/main" xmlns:r="http://schemas.openxmlformats.org/officeDocument/2006/relationships" xmlns:p="http://schemas.openxmlformats.org/presentationml/2006/main">
+  <p:cSld>
+    <p:spTree>
+      <p:nvGrpSpPr>
+        <p:cNvPr id="1" name=""/>
+        <p:cNvGrpSpPr/>
+        <p:nvPr/>
+      </p:nvGrpSpPr>
+      <p:grpSpPr>
+        <a:xfrm>
+          <a:off x="0" y="0"/>
+          <a:ext cx="0" cy="0"/>
+          <a:chOff x="0" y="0"/>
+          <a:chExt cx="0" cy="0"/>
+        </a:xfrm>
+      </p:grpSpPr>
+      <p:sp>
+        <p:nvSpPr>
+          <p:cNvPr id="2" name="Образ слайда 1"/>
+          <p:cNvSpPr>
+            <a:spLocks noGrp="1" noRot="1" noChangeAspect="1"/>
+          </p:cNvSpPr>
+          <p:nvPr>
+            <p:ph type="sldImg"/>
+          </p:nvPr>
+        </p:nvSpPr>
+        <p:spPr/>
+      </p:sp>
+      <p:sp>
+        <p:nvSpPr>
+          <p:cNvPr id="3" name="Заметки 2"/>
+          <p:cNvSpPr>
+            <a:spLocks noGrp="1"/>
+          </p:cNvSpPr>
+          <p:nvPr>
+            <p:ph type="body" idx="1"/>
+          </p:nvPr>
+        </p:nvSpPr>
+        <p:spPr/>
+        <p:txBody>
+          <a:bodyPr/>
+          <a:lstStyle/>
+          <a:p>
+            <a:endParaRPr lang="ru-RU"/>
+          </a:p>
+        </p:txBody>
+      </p:sp>
+      <p:sp>
+        <p:nvSpPr>
+          <p:cNvPr id="4" name="Номер слайда 3"/>
+          <p:cNvSpPr>
+            <a:spLocks noGrp="1"/>
+          </p:cNvSpPr>
+          <p:nvPr>
+            <p:ph type="sldNum" sz="quarter" idx="10"/>
+          </p:nvPr>
+        </p:nvSpPr>
+        <p:spPr/>
+        <p:txBody>
+          <a:bodyPr/>
+          <a:lstStyle/>
+          <a:p>
+            <a:fld id="{727D801D-6D6D-4311-A165-C7409F9DD468}" type="slidenum">
+              <a:rPr lang="ru-RU" smtClean="0"/>
+              <a:pPr/>
+              <a:t>22</a:t>
+            </a:fld>
+            <a:endParaRPr lang="ru-RU"/>
+          </a:p>
+        </p:txBody>
+      </p:sp>
+    </p:spTree>
+    <p:extLst>
+      <p:ext uri="{BB962C8B-B14F-4D97-AF65-F5344CB8AC3E}">
+        <p14:creationId xmlns:p14="http://schemas.microsoft.com/office/powerpoint/2010/main" val="1494518004"/>
+      </p:ext>
+    </p:extLst>
+  </p:cSld>
+  <p:clrMapOvr>
+    <a:masterClrMapping/>
+  </p:clrMapOvr>
+</p:notes>
 </file>
 
 <file path=ppt/slideLayouts/slideLayout1.xml><?xml version="1.0" encoding="utf-8"?>
@@ -3985,8 +4071,9 @@
             </a:r>
             <a:r>
               <a:rPr lang="ru-RU" sz="2400" dirty="0" smtClean="0"/>
-              <a:t>1/30</a:t>
-            </a:r>
+              <a:t>1/31</a:t>
+            </a:r>
+            <a:endParaRPr lang="ru-RU" sz="2400" dirty="0" smtClean="0"/>
           </a:p>
         </p:txBody>
       </p:sp>
@@ -4019,11 +4106,7 @@
             </a:pPr>
             <a:r>
               <a:rPr lang="ru-RU" b="1" i="1" dirty="0" smtClean="0"/>
-              <a:t>КРИПТОСИСТЕМА </a:t>
-            </a:r>
-            <a:r>
-              <a:rPr lang="ru-RU" b="1" i="1" dirty="0" smtClean="0"/>
-              <a:t>ЭЛЬ-ГАМАЛЯ. </a:t>
+              <a:t>КРИПТОСИСТЕМА ЭЛЬ-ГАМАЛЯ. </a:t>
             </a:r>
           </a:p>
           <a:p>
@@ -4247,6 +4330,144 @@
             <a:pPr algn="ctr"/>
             <a:r>
               <a:rPr lang="ru-RU" sz="3600" dirty="0"/>
+              <a:t>Режим обучения: 3-ий шаг </a:t>
+            </a:r>
+            <a:r>
+              <a:rPr lang="en-US" sz="3600" dirty="0" smtClean="0"/>
+              <a:t>   </a:t>
+            </a:r>
+            <a:fld id="{2BEF5513-06FD-4EB2-9D77-B577A3D2F967}" type="slidenum">
+              <a:rPr lang="en-US" sz="2400" smtClean="0"/>
+              <a:t>10</a:t>
+            </a:fld>
+            <a:r>
+              <a:rPr lang="ru-RU" sz="2400" dirty="0" smtClean="0"/>
+              <a:t>/31</a:t>
+            </a:r>
+            <a:endParaRPr lang="ru-RU" sz="2400" dirty="0"/>
+          </a:p>
+        </p:txBody>
+      </p:sp>
+      <p:pic>
+        <p:nvPicPr>
+          <p:cNvPr id="186373" name="Picture 5"/>
+          <p:cNvPicPr>
+            <a:picLocks noChangeAspect="1" noChangeArrowheads="1"/>
+          </p:cNvPicPr>
+          <p:nvPr/>
+        </p:nvPicPr>
+        <p:blipFill>
+          <a:blip r:embed="rId2"/>
+          <a:srcRect/>
+          <a:stretch>
+            <a:fillRect/>
+          </a:stretch>
+        </p:blipFill>
+        <p:spPr bwMode="auto">
+          <a:xfrm>
+            <a:off x="107950" y="115888"/>
+            <a:ext cx="1331913" cy="982662"/>
+          </a:xfrm>
+          <a:prstGeom prst="rect">
+            <a:avLst/>
+          </a:prstGeom>
+          <a:noFill/>
+        </p:spPr>
+      </p:pic>
+      <p:pic>
+        <p:nvPicPr>
+          <p:cNvPr id="3074" name="Picture 2" descr="E:\Dissertation\Master_dissertation\LaTeX\images\egt_t_modreverse.png"/>
+          <p:cNvPicPr>
+            <a:picLocks noChangeAspect="1" noChangeArrowheads="1"/>
+          </p:cNvPicPr>
+          <p:nvPr/>
+        </p:nvPicPr>
+        <p:blipFill>
+          <a:blip r:embed="rId3">
+            <a:extLst>
+              <a:ext uri="{28A0092B-C50C-407E-A947-70E740481C1C}">
+                <a14:useLocalDpi xmlns:a14="http://schemas.microsoft.com/office/drawing/2010/main" val="0"/>
+              </a:ext>
+            </a:extLst>
+          </a:blip>
+          <a:srcRect/>
+          <a:stretch>
+            <a:fillRect/>
+          </a:stretch>
+        </p:blipFill>
+        <p:spPr bwMode="auto">
+          <a:xfrm>
+            <a:off x="2339752" y="1196752"/>
+            <a:ext cx="5184576" cy="5345679"/>
+          </a:xfrm>
+          <a:prstGeom prst="rect">
+            <a:avLst/>
+          </a:prstGeom>
+          <a:noFill/>
+          <a:extLst>
+            <a:ext uri="{909E8E84-426E-40DD-AFC4-6F175D3DCCD1}">
+              <a14:hiddenFill xmlns:a14="http://schemas.microsoft.com/office/drawing/2010/main">
+                <a:solidFill>
+                  <a:srgbClr val="FFFFFF"/>
+                </a:solidFill>
+              </a14:hiddenFill>
+            </a:ext>
+          </a:extLst>
+        </p:spPr>
+      </p:pic>
+    </p:spTree>
+  </p:cSld>
+  <p:clrMapOvr>
+    <a:masterClrMapping/>
+  </p:clrMapOvr>
+  <p:transition>
+    <p:wipe dir="r"/>
+  </p:transition>
+  <p:timing>
+    <p:tnLst>
+      <p:par>
+        <p:cTn id="1" dur="indefinite" restart="never" nodeType="tmRoot"/>
+      </p:par>
+    </p:tnLst>
+  </p:timing>
+</p:sld>
+</file>
+
+<file path=ppt/slides/slide11.xml><?xml version="1.0" encoding="utf-8"?>
+<p:sld xmlns:a="http://schemas.openxmlformats.org/drawingml/2006/main" xmlns:r="http://schemas.openxmlformats.org/officeDocument/2006/relationships" xmlns:p="http://schemas.openxmlformats.org/presentationml/2006/main">
+  <p:cSld>
+    <p:spTree>
+      <p:nvGrpSpPr>
+        <p:cNvPr id="1" name=""/>
+        <p:cNvGrpSpPr/>
+        <p:nvPr/>
+      </p:nvGrpSpPr>
+      <p:grpSpPr>
+        <a:xfrm>
+          <a:off x="0" y="0"/>
+          <a:ext cx="0" cy="0"/>
+          <a:chOff x="0" y="0"/>
+          <a:chExt cx="0" cy="0"/>
+        </a:xfrm>
+      </p:grpSpPr>
+      <p:sp>
+        <p:nvSpPr>
+          <p:cNvPr id="186370" name="Rectangle 2"/>
+          <p:cNvSpPr>
+            <a:spLocks noGrp="1" noChangeArrowheads="1"/>
+          </p:cNvSpPr>
+          <p:nvPr>
+            <p:ph type="title"/>
+          </p:nvPr>
+        </p:nvSpPr>
+        <p:spPr/>
+        <p:txBody>
+          <a:bodyPr/>
+          <a:lstStyle/>
+          <a:p>
+            <a:pPr algn="ctr"/>
+            <a:r>
+              <a:rPr lang="ru-RU" sz="3600" dirty="0"/>
               <a:t>Режим обучения: </a:t>
             </a:r>
             <a:r>
@@ -4259,11 +4480,15 @@
             </a:r>
             <a:r>
               <a:rPr lang="en-US" sz="2400" dirty="0" smtClean="0"/>
-              <a:t>   10</a:t>
-            </a:r>
+              <a:t>   </a:t>
+            </a:r>
+            <a:fld id="{CAA7277B-9A2A-45B1-AFE0-01F5BC9D108A}" type="slidenum">
+              <a:rPr lang="en-US" sz="2400" smtClean="0"/>
+              <a:t>11</a:t>
+            </a:fld>
             <a:r>
               <a:rPr lang="ru-RU" sz="2400" dirty="0" smtClean="0"/>
-              <a:t>/30</a:t>
+              <a:t>/31</a:t>
             </a:r>
             <a:endParaRPr lang="ru-RU" sz="2400" dirty="0"/>
           </a:p>
@@ -4354,7 +4579,7 @@
 </p:sld>
 </file>
 
-<file path=ppt/slides/slide11.xml><?xml version="1.0" encoding="utf-8"?>
+<file path=ppt/slides/slide12.xml><?xml version="1.0" encoding="utf-8"?>
 <p:sld xmlns:a="http://schemas.openxmlformats.org/drawingml/2006/main" xmlns:r="http://schemas.openxmlformats.org/officeDocument/2006/relationships" xmlns:p="http://schemas.openxmlformats.org/presentationml/2006/main">
   <p:cSld>
     <p:spTree>
@@ -4398,13 +4623,13 @@
               <a:rPr lang="ru-RU" sz="3600" dirty="0"/>
               <a:t>шаг    </a:t>
             </a:r>
-            <a:r>
-              <a:rPr lang="en-US" sz="2400" dirty="0" smtClean="0"/>
-              <a:t>11</a:t>
-            </a:r>
+            <a:fld id="{5EEB3B38-6677-4D65-86EE-31256F2DB4D0}" type="slidenum">
+              <a:rPr lang="en-US" sz="2400" smtClean="0"/>
+              <a:t>12</a:t>
+            </a:fld>
             <a:r>
               <a:rPr lang="ru-RU" sz="2400" dirty="0" smtClean="0"/>
-              <a:t>/30</a:t>
+              <a:t>/31</a:t>
             </a:r>
             <a:endParaRPr lang="ru-RU" sz="2400" dirty="0"/>
           </a:p>
@@ -4495,7 +4720,7 @@
 </p:sld>
 </file>
 
-<file path=ppt/slides/slide12.xml><?xml version="1.0" encoding="utf-8"?>
+<file path=ppt/slides/slide13.xml><?xml version="1.0" encoding="utf-8"?>
 <p:sld xmlns:a="http://schemas.openxmlformats.org/drawingml/2006/main" xmlns:r="http://schemas.openxmlformats.org/officeDocument/2006/relationships" xmlns:p="http://schemas.openxmlformats.org/presentationml/2006/main">
   <p:cSld>
     <p:spTree>
@@ -4539,17 +4764,13 @@
               <a:rPr lang="ru-RU" sz="3600" dirty="0"/>
               <a:t>шаг     </a:t>
             </a:r>
+            <a:fld id="{6CAA77A1-7136-466F-BD1B-6C32E355C92F}" type="slidenum">
+              <a:rPr lang="ru-RU" sz="2400" smtClean="0"/>
+              <a:t>13</a:t>
+            </a:fld>
             <a:r>
               <a:rPr lang="ru-RU" sz="2400" dirty="0" smtClean="0"/>
-              <a:t>1</a:t>
-            </a:r>
-            <a:r>
-              <a:rPr lang="en-US" sz="2400" dirty="0" smtClean="0"/>
-              <a:t>2</a:t>
-            </a:r>
-            <a:r>
-              <a:rPr lang="ru-RU" sz="2400" dirty="0" smtClean="0"/>
-              <a:t>/30</a:t>
+              <a:t>/31</a:t>
             </a:r>
             <a:endParaRPr lang="ru-RU" sz="2400" dirty="0"/>
           </a:p>
@@ -4640,7 +4861,7 @@
 </p:sld>
 </file>
 
-<file path=ppt/slides/slide13.xml><?xml version="1.0" encoding="utf-8"?>
+<file path=ppt/slides/slide14.xml><?xml version="1.0" encoding="utf-8"?>
 <p:sld xmlns:a="http://schemas.openxmlformats.org/drawingml/2006/main" xmlns:r="http://schemas.openxmlformats.org/officeDocument/2006/relationships" xmlns:p="http://schemas.openxmlformats.org/presentationml/2006/main">
   <p:cSld>
     <p:spTree>
@@ -4684,13 +4905,13 @@
               <a:rPr lang="ru-RU" sz="3600" dirty="0"/>
               <a:t>шаг     </a:t>
             </a:r>
-            <a:r>
-              <a:rPr lang="en-US" sz="2400" dirty="0" smtClean="0"/>
-              <a:t>13</a:t>
-            </a:r>
+            <a:fld id="{BEAA1E4D-6DDD-4510-88E9-BD2ADBC029F7}" type="slidenum">
+              <a:rPr lang="en-US" sz="2400" smtClean="0"/>
+              <a:t>14</a:t>
+            </a:fld>
             <a:r>
               <a:rPr lang="ru-RU" sz="2400" dirty="0" smtClean="0"/>
-              <a:t>/30</a:t>
+              <a:t>/31</a:t>
             </a:r>
             <a:endParaRPr lang="ru-RU" sz="2400" dirty="0"/>
           </a:p>
@@ -4800,7 +5021,7 @@
 </p:sld>
 </file>
 
-<file path=ppt/slides/slide14.xml><?xml version="1.0" encoding="utf-8"?>
+<file path=ppt/slides/slide15.xml><?xml version="1.0" encoding="utf-8"?>
 <p:sld xmlns:a="http://schemas.openxmlformats.org/drawingml/2006/main" xmlns:r="http://schemas.openxmlformats.org/officeDocument/2006/relationships" xmlns:p="http://schemas.openxmlformats.org/presentationml/2006/main">
   <p:cSld>
     <p:spTree>
@@ -4848,17 +5069,13 @@
               <a:rPr lang="ru-RU" sz="3600" dirty="0"/>
               <a:t>        </a:t>
             </a:r>
+            <a:fld id="{BA089A3A-BF5B-4214-BECB-4E6209C2C157}" type="slidenum">
+              <a:rPr lang="ru-RU" sz="2400" smtClean="0"/>
+              <a:t>15</a:t>
+            </a:fld>
             <a:r>
               <a:rPr lang="ru-RU" sz="2400" dirty="0" smtClean="0"/>
-              <a:t>1</a:t>
-            </a:r>
-            <a:r>
-              <a:rPr lang="en-US" sz="2400" dirty="0" smtClean="0"/>
-              <a:t>4</a:t>
-            </a:r>
-            <a:r>
-              <a:rPr lang="ru-RU" sz="2400" dirty="0" smtClean="0"/>
-              <a:t>/30</a:t>
+              <a:t>/31</a:t>
             </a:r>
             <a:endParaRPr lang="ru-RU" sz="2400" dirty="0"/>
           </a:p>
@@ -4968,7 +5185,7 @@
 </p:sld>
 </file>
 
-<file path=ppt/slides/slide15.xml><?xml version="1.0" encoding="utf-8"?>
+<file path=ppt/slides/slide16.xml><?xml version="1.0" encoding="utf-8"?>
 <p:sld xmlns:a="http://schemas.openxmlformats.org/drawingml/2006/main" xmlns:r="http://schemas.openxmlformats.org/officeDocument/2006/relationships" xmlns:p="http://schemas.openxmlformats.org/presentationml/2006/main">
   <p:cSld>
     <p:spTree>
@@ -5016,17 +5233,13 @@
               <a:rPr lang="ru-RU" sz="3600" dirty="0"/>
               <a:t>        </a:t>
             </a:r>
+            <a:fld id="{79B9744C-5C59-4D02-8189-3545A6E93A9D}" type="slidenum">
+              <a:rPr lang="ru-RU" sz="2400" smtClean="0"/>
+              <a:t>16</a:t>
+            </a:fld>
             <a:r>
               <a:rPr lang="ru-RU" sz="2400" dirty="0" smtClean="0"/>
-              <a:t>1</a:t>
-            </a:r>
-            <a:r>
-              <a:rPr lang="en-US" sz="2400" dirty="0" smtClean="0"/>
-              <a:t>5</a:t>
-            </a:r>
-            <a:r>
-              <a:rPr lang="ru-RU" sz="2400" dirty="0" smtClean="0"/>
-              <a:t>/30</a:t>
+              <a:t>/31</a:t>
             </a:r>
             <a:endParaRPr lang="ru-RU" sz="2400" dirty="0"/>
           </a:p>
@@ -5117,7 +5330,7 @@
 </p:sld>
 </file>
 
-<file path=ppt/slides/slide16.xml><?xml version="1.0" encoding="utf-8"?>
+<file path=ppt/slides/slide17.xml><?xml version="1.0" encoding="utf-8"?>
 <p:sld xmlns:a="http://schemas.openxmlformats.org/drawingml/2006/main" xmlns:r="http://schemas.openxmlformats.org/officeDocument/2006/relationships" xmlns:p="http://schemas.openxmlformats.org/presentationml/2006/main">
   <p:cSld>
     <p:spTree>
@@ -5169,17 +5382,13 @@
               <a:rPr lang="ru-RU" sz="3600" dirty="0" smtClean="0"/>
               <a:t>     </a:t>
             </a:r>
+            <a:fld id="{D8CB298D-BD93-48DD-A4F4-D5D434893277}" type="slidenum">
+              <a:rPr lang="ru-RU" sz="2400" smtClean="0"/>
+              <a:t>17</a:t>
+            </a:fld>
             <a:r>
               <a:rPr lang="ru-RU" sz="2400" dirty="0" smtClean="0"/>
-              <a:t>1</a:t>
-            </a:r>
-            <a:r>
-              <a:rPr lang="en-US" sz="2400" dirty="0" smtClean="0"/>
-              <a:t>6</a:t>
-            </a:r>
-            <a:r>
-              <a:rPr lang="ru-RU" sz="2400" dirty="0" smtClean="0"/>
-              <a:t>/30</a:t>
+              <a:t>/31</a:t>
             </a:r>
             <a:endParaRPr lang="ru-RU" sz="2400" dirty="0"/>
           </a:p>
@@ -5268,7 +5477,7 @@
 </p:sld>
 </file>
 
-<file path=ppt/slides/slide17.xml><?xml version="1.0" encoding="utf-8"?>
+<file path=ppt/slides/slide18.xml><?xml version="1.0" encoding="utf-8"?>
 <p:sld xmlns:a="http://schemas.openxmlformats.org/drawingml/2006/main" xmlns:r="http://schemas.openxmlformats.org/officeDocument/2006/relationships" xmlns:p="http://schemas.openxmlformats.org/presentationml/2006/main">
   <p:cSld>
     <p:spTree>
@@ -5316,17 +5525,17 @@
               <a:rPr lang="ru-RU" sz="3600" dirty="0" smtClean="0"/>
               <a:t>      </a:t>
             </a:r>
+            <a:fld id="{1B9B2C2D-8946-4E95-AC6B-1260979FE854}" type="slidenum">
+              <a:rPr lang="ru-RU" sz="2400" smtClean="0"/>
+              <a:t>18</a:t>
+            </a:fld>
+            <a:r>
+              <a:rPr lang="ru-RU" sz="2400" dirty="0"/>
+              <a:t>/</a:t>
+            </a:r>
             <a:r>
               <a:rPr lang="ru-RU" sz="2400" dirty="0" smtClean="0"/>
-              <a:t>1</a:t>
-            </a:r>
-            <a:r>
-              <a:rPr lang="en-US" sz="2400" dirty="0" smtClean="0"/>
-              <a:t>7</a:t>
-            </a:r>
-            <a:r>
-              <a:rPr lang="ru-RU" sz="2400" dirty="0" smtClean="0"/>
-              <a:t>/30</a:t>
+              <a:t>31</a:t>
             </a:r>
             <a:endParaRPr lang="ru-RU" sz="2400" dirty="0"/>
           </a:p>
@@ -5415,7 +5624,7 @@
 </p:sld>
 </file>
 
-<file path=ppt/slides/slide18.xml><?xml version="1.0" encoding="utf-8"?>
+<file path=ppt/slides/slide19.xml><?xml version="1.0" encoding="utf-8"?>
 <p:sld xmlns:a="http://schemas.openxmlformats.org/drawingml/2006/main" xmlns:r="http://schemas.openxmlformats.org/officeDocument/2006/relationships" xmlns:p="http://schemas.openxmlformats.org/presentationml/2006/main">
   <p:cSld>
     <p:spTree>
@@ -5459,17 +5668,13 @@
               <a:rPr lang="ru-RU" sz="3600" dirty="0" smtClean="0"/>
               <a:t>        </a:t>
             </a:r>
+            <a:fld id="{E0FB3C11-B9A8-4682-BBCF-A62316670FE6}" type="slidenum">
+              <a:rPr lang="ru-RU" sz="2400" smtClean="0"/>
+              <a:t>19</a:t>
+            </a:fld>
             <a:r>
               <a:rPr lang="ru-RU" sz="2400" dirty="0" smtClean="0"/>
-              <a:t>1</a:t>
-            </a:r>
-            <a:r>
-              <a:rPr lang="en-US" sz="2400" dirty="0" smtClean="0"/>
-              <a:t>8</a:t>
-            </a:r>
-            <a:r>
-              <a:rPr lang="ru-RU" sz="2400" dirty="0" smtClean="0"/>
-              <a:t>/30</a:t>
+              <a:t>/31</a:t>
             </a:r>
             <a:endParaRPr lang="ru-RU" sz="2400" dirty="0"/>
           </a:p>
@@ -5599,7 +5804,7 @@
 </p:sld>
 </file>
 
-<file path=ppt/slides/slide19.xml><?xml version="1.0" encoding="utf-8"?>
+<file path=ppt/slides/slide2.xml><?xml version="1.0" encoding="utf-8"?>
 <p:sld xmlns:a="http://schemas.openxmlformats.org/drawingml/2006/main" xmlns:r="http://schemas.openxmlformats.org/officeDocument/2006/relationships" xmlns:p="http://schemas.openxmlformats.org/presentationml/2006/main">
   <p:cSld>
     <p:spTree>
@@ -5618,9 +5823,9 @@
       </p:grpSpPr>
       <p:sp>
         <p:nvSpPr>
-          <p:cNvPr id="195586" name="Rectangle 2"/>
-          <p:cNvSpPr>
-            <a:spLocks noGrp="1" noChangeArrowheads="1"/>
+          <p:cNvPr id="2" name="Заголовок 1"/>
+          <p:cNvSpPr>
+            <a:spLocks noGrp="1"/>
           </p:cNvSpPr>
           <p:nvPr>
             <p:ph type="title"/>
@@ -5632,6 +5837,200 @@
           <a:lstStyle/>
           <a:p>
             <a:r>
+              <a:rPr lang="ru-RU" dirty="0" smtClean="0"/>
+              <a:t>Постановка задачи</a:t>
+            </a:r>
+            <a:endParaRPr lang="ru-RU" dirty="0"/>
+          </a:p>
+        </p:txBody>
+      </p:sp>
+      <p:sp>
+        <p:nvSpPr>
+          <p:cNvPr id="3" name="Содержимое 2"/>
+          <p:cNvSpPr>
+            <a:spLocks noGrp="1"/>
+          </p:cNvSpPr>
+          <p:nvPr>
+            <p:ph idx="1"/>
+          </p:nvPr>
+        </p:nvSpPr>
+        <p:spPr/>
+        <p:txBody>
+          <a:bodyPr/>
+          <a:lstStyle/>
+          <a:p>
+            <a:pPr lvl="0"/>
+            <a:r>
+              <a:rPr lang="ru-RU" sz="2600" dirty="0" smtClean="0"/>
+              <a:t>Провести </a:t>
+            </a:r>
+            <a:r>
+              <a:rPr lang="ru-RU" sz="2600" dirty="0"/>
+              <a:t>анализ криптографического алгоритма Эль-Гамаля.</a:t>
+            </a:r>
+          </a:p>
+          <a:p>
+            <a:pPr lvl="0"/>
+            <a:r>
+              <a:rPr lang="ru-RU" sz="2600" dirty="0" smtClean="0"/>
+              <a:t>Разработать </a:t>
+            </a:r>
+            <a:r>
+              <a:rPr lang="ru-RU" sz="2600" dirty="0"/>
+              <a:t>сценарий выполнения лабораторной </a:t>
+            </a:r>
+            <a:r>
+              <a:rPr lang="ru-RU" sz="2600" dirty="0" smtClean="0"/>
+              <a:t>работы по </a:t>
+            </a:r>
+            <a:r>
+              <a:rPr lang="ru-RU" sz="2600" dirty="0"/>
+              <a:t>изучению алгоритма Эль-Гамаля.</a:t>
+            </a:r>
+          </a:p>
+          <a:p>
+            <a:pPr lvl="0"/>
+            <a:r>
+              <a:rPr lang="ru-RU" sz="2600" dirty="0" smtClean="0"/>
+              <a:t>Ознакомиться </a:t>
+            </a:r>
+            <a:r>
+              <a:rPr lang="ru-RU" sz="2600" dirty="0"/>
+              <a:t>с обучающими программами по криптографии: DES, ГОСТ 28147-89, Crypto-03, Elgamal, выявить их достоинства и недостатки.</a:t>
+            </a:r>
+          </a:p>
+          <a:p>
+            <a:pPr lvl="0"/>
+            <a:r>
+              <a:rPr lang="ru-RU" sz="2600" dirty="0" smtClean="0"/>
+              <a:t>Разработать </a:t>
+            </a:r>
+            <a:r>
+              <a:rPr lang="ru-RU" sz="2600" dirty="0"/>
+              <a:t>и реализовать обучающую компьютерную программу </a:t>
+            </a:r>
+            <a:r>
+              <a:rPr lang="ru-RU" sz="2600" b="1" i="1" dirty="0" err="1" smtClean="0"/>
+              <a:t>El-Gamal_Tutor</a:t>
+            </a:r>
+            <a:r>
+              <a:rPr lang="ru-RU" sz="2600" dirty="0" smtClean="0"/>
+              <a:t>.</a:t>
+            </a:r>
+            <a:endParaRPr lang="ru-RU" sz="2600" dirty="0" smtClean="0"/>
+          </a:p>
+        </p:txBody>
+      </p:sp>
+      <p:sp>
+        <p:nvSpPr>
+          <p:cNvPr id="4" name="Прямоугольник 3"/>
+          <p:cNvSpPr/>
+          <p:nvPr/>
+        </p:nvSpPr>
+        <p:spPr>
+          <a:xfrm>
+            <a:off x="8034955" y="476672"/>
+            <a:ext cx="806631" cy="461665"/>
+          </a:xfrm>
+          <a:prstGeom prst="rect">
+            <a:avLst/>
+          </a:prstGeom>
+        </p:spPr>
+        <p:txBody>
+          <a:bodyPr wrap="none">
+            <a:spAutoFit/>
+          </a:bodyPr>
+          <a:lstStyle/>
+          <a:p>
+            <a:r>
+              <a:rPr lang="ru-RU" dirty="0" smtClean="0">
+                <a:latin typeface="+mj-lt"/>
+              </a:rPr>
+              <a:t>2/31</a:t>
+            </a:r>
+            <a:endParaRPr lang="ru-RU" dirty="0">
+              <a:latin typeface="+mj-lt"/>
+            </a:endParaRPr>
+          </a:p>
+        </p:txBody>
+      </p:sp>
+      <p:pic>
+        <p:nvPicPr>
+          <p:cNvPr id="6" name="Picture 4"/>
+          <p:cNvPicPr>
+            <a:picLocks noChangeAspect="1" noChangeArrowheads="1"/>
+          </p:cNvPicPr>
+          <p:nvPr/>
+        </p:nvPicPr>
+        <p:blipFill>
+          <a:blip r:embed="rId2"/>
+          <a:srcRect/>
+          <a:stretch>
+            <a:fillRect/>
+          </a:stretch>
+        </p:blipFill>
+        <p:spPr bwMode="auto">
+          <a:xfrm>
+            <a:off x="107950" y="115888"/>
+            <a:ext cx="1331913" cy="982662"/>
+          </a:xfrm>
+          <a:prstGeom prst="rect">
+            <a:avLst/>
+          </a:prstGeom>
+          <a:noFill/>
+        </p:spPr>
+      </p:pic>
+    </p:spTree>
+  </p:cSld>
+  <p:clrMapOvr>
+    <a:masterClrMapping/>
+  </p:clrMapOvr>
+  <p:transition>
+    <p:wipe dir="r"/>
+  </p:transition>
+  <p:timing>
+    <p:tnLst>
+      <p:par>
+        <p:cTn id="1" dur="indefinite" restart="never" nodeType="tmRoot"/>
+      </p:par>
+    </p:tnLst>
+  </p:timing>
+</p:sld>
+</file>
+
+<file path=ppt/slides/slide20.xml><?xml version="1.0" encoding="utf-8"?>
+<p:sld xmlns:a="http://schemas.openxmlformats.org/drawingml/2006/main" xmlns:r="http://schemas.openxmlformats.org/officeDocument/2006/relationships" xmlns:p="http://schemas.openxmlformats.org/presentationml/2006/main">
+  <p:cSld>
+    <p:spTree>
+      <p:nvGrpSpPr>
+        <p:cNvPr id="1" name=""/>
+        <p:cNvGrpSpPr/>
+        <p:nvPr/>
+      </p:nvGrpSpPr>
+      <p:grpSpPr>
+        <a:xfrm>
+          <a:off x="0" y="0"/>
+          <a:ext cx="0" cy="0"/>
+          <a:chOff x="0" y="0"/>
+          <a:chExt cx="0" cy="0"/>
+        </a:xfrm>
+      </p:grpSpPr>
+      <p:sp>
+        <p:nvSpPr>
+          <p:cNvPr id="195586" name="Rectangle 2"/>
+          <p:cNvSpPr>
+            <a:spLocks noGrp="1" noChangeArrowheads="1"/>
+          </p:cNvSpPr>
+          <p:nvPr>
+            <p:ph type="title"/>
+          </p:nvPr>
+        </p:nvSpPr>
+        <p:spPr/>
+        <p:txBody>
+          <a:bodyPr/>
+          <a:lstStyle/>
+          <a:p>
+            <a:r>
               <a:rPr lang="ru-RU" sz="3200" dirty="0"/>
               <a:t>Режим обучения: </a:t>
             </a:r>
@@ -5643,9 +6042,13 @@
               <a:rPr lang="ru-RU" sz="3600" dirty="0" smtClean="0"/>
               <a:t>       </a:t>
             </a:r>
+            <a:fld id="{39649CE7-6BA7-4A74-97BB-00088C666050}" type="slidenum">
+              <a:rPr lang="ru-RU" sz="2400" smtClean="0"/>
+              <a:t>20</a:t>
+            </a:fld>
             <a:r>
               <a:rPr lang="ru-RU" sz="2400" dirty="0" smtClean="0"/>
-              <a:t>19/30</a:t>
+              <a:t>/31</a:t>
             </a:r>
             <a:endParaRPr lang="ru-RU" sz="2400" dirty="0"/>
           </a:p>
@@ -5734,7 +6137,7 @@
 </p:sld>
 </file>
 
-<file path=ppt/slides/slide2.xml><?xml version="1.0" encoding="utf-8"?>
+<file path=ppt/slides/slide21.xml><?xml version="1.0" encoding="utf-8"?>
 <p:sld xmlns:a="http://schemas.openxmlformats.org/drawingml/2006/main" xmlns:r="http://schemas.openxmlformats.org/officeDocument/2006/relationships" xmlns:p="http://schemas.openxmlformats.org/presentationml/2006/main">
   <p:cSld>
     <p:spTree>
@@ -5753,9 +6156,9 @@
       </p:grpSpPr>
       <p:sp>
         <p:nvSpPr>
-          <p:cNvPr id="2" name="Заголовок 1"/>
-          <p:cNvSpPr>
-            <a:spLocks noGrp="1"/>
+          <p:cNvPr id="195586" name="Rectangle 2"/>
+          <p:cNvSpPr>
+            <a:spLocks noGrp="1" noChangeArrowheads="1"/>
           </p:cNvSpPr>
           <p:nvPr>
             <p:ph type="title"/>
@@ -5767,230 +6170,6 @@
           <a:lstStyle/>
           <a:p>
             <a:r>
-              <a:rPr lang="ru-RU" dirty="0" smtClean="0"/>
-              <a:t>Постановка задачи</a:t>
-            </a:r>
-            <a:endParaRPr lang="ru-RU" dirty="0"/>
-          </a:p>
-        </p:txBody>
-      </p:sp>
-      <p:sp>
-        <p:nvSpPr>
-          <p:cNvPr id="3" name="Содержимое 2"/>
-          <p:cNvSpPr>
-            <a:spLocks noGrp="1"/>
-          </p:cNvSpPr>
-          <p:nvPr>
-            <p:ph idx="1"/>
-          </p:nvPr>
-        </p:nvSpPr>
-        <p:spPr/>
-        <p:txBody>
-          <a:bodyPr/>
-          <a:lstStyle/>
-          <a:p>
-            <a:pPr lvl="0"/>
-            <a:r>
-              <a:rPr lang="ru-RU" sz="2400" dirty="0" smtClean="0"/>
-              <a:t>Ознакомиться с обучающей компьютерной программой </a:t>
-            </a:r>
-            <a:r>
-              <a:rPr lang="en-US" sz="2400" b="1" i="1" dirty="0" smtClean="0"/>
-              <a:t>El</a:t>
-            </a:r>
-            <a:r>
-              <a:rPr lang="ru-RU" sz="2400" b="1" i="1" dirty="0" smtClean="0"/>
-              <a:t>-</a:t>
-            </a:r>
-            <a:r>
-              <a:rPr lang="en-US" sz="2400" b="1" i="1" dirty="0" err="1" smtClean="0"/>
-              <a:t>Gamal</a:t>
-            </a:r>
-            <a:r>
-              <a:rPr lang="ru-RU" sz="2400" b="1" i="1" dirty="0" smtClean="0"/>
-              <a:t>_</a:t>
-            </a:r>
-            <a:r>
-              <a:rPr lang="en-US" sz="2400" b="1" i="1" dirty="0" smtClean="0"/>
-              <a:t>Tutor</a:t>
-            </a:r>
-            <a:r>
-              <a:rPr lang="ru-RU" sz="2400" b="1" dirty="0" smtClean="0"/>
-              <a:t>.</a:t>
-            </a:r>
-            <a:endParaRPr lang="ru-RU" sz="2400" dirty="0" smtClean="0"/>
-          </a:p>
-          <a:p>
-            <a:r>
-              <a:rPr lang="ru-RU" sz="2400" dirty="0" smtClean="0"/>
-              <a:t>Изучить и привести описание алгоритма Эль </a:t>
-            </a:r>
-            <a:r>
-              <a:rPr lang="ru-RU" sz="2400" dirty="0" err="1" smtClean="0"/>
-              <a:t>Гамаля</a:t>
-            </a:r>
-            <a:r>
-              <a:rPr lang="ru-RU" sz="2400" dirty="0" smtClean="0"/>
-              <a:t> (в соответствии с обозначениями из [4]) с доказательством корректности алгоритма, его достоинствами и недостатками.</a:t>
-            </a:r>
-          </a:p>
-          <a:p>
-            <a:pPr lvl="0"/>
-            <a:r>
-              <a:rPr lang="ru-RU" sz="2400" dirty="0" smtClean="0"/>
-              <a:t>Зафиксировать (для отчета) последовательность этапов обучения в программе </a:t>
-            </a:r>
-            <a:r>
-              <a:rPr lang="en-US" sz="2400" b="1" i="1" dirty="0" smtClean="0"/>
-              <a:t>El</a:t>
-            </a:r>
-            <a:r>
-              <a:rPr lang="ru-RU" sz="2400" b="1" i="1" dirty="0" smtClean="0"/>
-              <a:t>-</a:t>
-            </a:r>
-            <a:r>
-              <a:rPr lang="en-US" sz="2400" b="1" i="1" dirty="0" err="1" smtClean="0"/>
-              <a:t>Gamal</a:t>
-            </a:r>
-            <a:r>
-              <a:rPr lang="ru-RU" sz="2400" b="1" i="1" dirty="0" smtClean="0"/>
-              <a:t>_</a:t>
-            </a:r>
-            <a:r>
-              <a:rPr lang="en-US" sz="2400" b="1" i="1" dirty="0" smtClean="0"/>
-              <a:t>Tutor</a:t>
-            </a:r>
-            <a:r>
-              <a:rPr lang="ru-RU" sz="2400" b="1" i="1" dirty="0" smtClean="0"/>
-              <a:t>.</a:t>
-            </a:r>
-            <a:endParaRPr lang="ru-RU" sz="2400" dirty="0" smtClean="0"/>
-          </a:p>
-          <a:p>
-            <a:pPr lvl="0"/>
-            <a:r>
-              <a:rPr lang="ru-RU" sz="2400" dirty="0" smtClean="0"/>
-              <a:t>Провести тестирование программы</a:t>
-            </a:r>
-            <a:r>
-              <a:rPr lang="ru-RU" sz="2400" b="1" dirty="0" smtClean="0"/>
-              <a:t> </a:t>
-            </a:r>
-            <a:r>
-              <a:rPr lang="en-US" sz="2400" b="1" i="1" dirty="0" smtClean="0"/>
-              <a:t>El</a:t>
-            </a:r>
-            <a:r>
-              <a:rPr lang="ru-RU" sz="2400" b="1" i="1" dirty="0" smtClean="0"/>
-              <a:t>-</a:t>
-            </a:r>
-            <a:r>
-              <a:rPr lang="en-US" sz="2400" b="1" i="1" dirty="0" err="1" smtClean="0"/>
-              <a:t>Gamal</a:t>
-            </a:r>
-            <a:r>
-              <a:rPr lang="ru-RU" sz="2400" b="1" i="1" dirty="0" smtClean="0"/>
-              <a:t>_</a:t>
-            </a:r>
-            <a:r>
-              <a:rPr lang="en-US" sz="2400" b="1" i="1" dirty="0" smtClean="0"/>
-              <a:t>Tutor</a:t>
-            </a:r>
-            <a:r>
-              <a:rPr lang="en-US" sz="2400" b="1" dirty="0" smtClean="0"/>
-              <a:t> </a:t>
-            </a:r>
-            <a:r>
-              <a:rPr lang="ru-RU" sz="2400" dirty="0" smtClean="0"/>
-              <a:t> с целью выявления ошибок и недочетов.</a:t>
-            </a:r>
-          </a:p>
-        </p:txBody>
-      </p:sp>
-      <p:sp>
-        <p:nvSpPr>
-          <p:cNvPr id="4" name="Прямоугольник 3"/>
-          <p:cNvSpPr/>
-          <p:nvPr/>
-        </p:nvSpPr>
-        <p:spPr>
-          <a:xfrm>
-            <a:off x="8072462" y="857232"/>
-            <a:ext cx="700833" cy="400110"/>
-          </a:xfrm>
-          <a:prstGeom prst="rect">
-            <a:avLst/>
-          </a:prstGeom>
-        </p:spPr>
-        <p:txBody>
-          <a:bodyPr wrap="none">
-            <a:spAutoFit/>
-          </a:bodyPr>
-          <a:lstStyle/>
-          <a:p>
-            <a:r>
-              <a:rPr lang="ru-RU" sz="2000" dirty="0" smtClean="0">
-                <a:latin typeface="+mj-lt"/>
-              </a:rPr>
-              <a:t>2/30</a:t>
-            </a:r>
-            <a:endParaRPr lang="ru-RU" sz="2000" dirty="0">
-              <a:latin typeface="+mj-lt"/>
-            </a:endParaRPr>
-          </a:p>
-        </p:txBody>
-      </p:sp>
-    </p:spTree>
-  </p:cSld>
-  <p:clrMapOvr>
-    <a:masterClrMapping/>
-  </p:clrMapOvr>
-  <p:transition>
-    <p:wipe dir="r"/>
-  </p:transition>
-  <p:timing>
-    <p:tnLst>
-      <p:par>
-        <p:cTn id="1" dur="indefinite" restart="never" nodeType="tmRoot"/>
-      </p:par>
-    </p:tnLst>
-  </p:timing>
-</p:sld>
-</file>
-
-<file path=ppt/slides/slide20.xml><?xml version="1.0" encoding="utf-8"?>
-<p:sld xmlns:a="http://schemas.openxmlformats.org/drawingml/2006/main" xmlns:r="http://schemas.openxmlformats.org/officeDocument/2006/relationships" xmlns:p="http://schemas.openxmlformats.org/presentationml/2006/main">
-  <p:cSld>
-    <p:spTree>
-      <p:nvGrpSpPr>
-        <p:cNvPr id="1" name=""/>
-        <p:cNvGrpSpPr/>
-        <p:nvPr/>
-      </p:nvGrpSpPr>
-      <p:grpSpPr>
-        <a:xfrm>
-          <a:off x="0" y="0"/>
-          <a:ext cx="0" cy="0"/>
-          <a:chOff x="0" y="0"/>
-          <a:chExt cx="0" cy="0"/>
-        </a:xfrm>
-      </p:grpSpPr>
-      <p:sp>
-        <p:nvSpPr>
-          <p:cNvPr id="195586" name="Rectangle 2"/>
-          <p:cNvSpPr>
-            <a:spLocks noGrp="1" noChangeArrowheads="1"/>
-          </p:cNvSpPr>
-          <p:nvPr>
-            <p:ph type="title"/>
-          </p:nvPr>
-        </p:nvSpPr>
-        <p:spPr/>
-        <p:txBody>
-          <a:bodyPr/>
-          <a:lstStyle/>
-          <a:p>
-            <a:r>
               <a:rPr lang="ru-RU" sz="3200" dirty="0"/>
               <a:t>Режим обучения: </a:t>
             </a:r>
@@ -6002,9 +6181,13 @@
               <a:rPr lang="ru-RU" sz="3600" dirty="0" smtClean="0"/>
               <a:t>       </a:t>
             </a:r>
+            <a:fld id="{4E925EC9-5910-456A-9371-C9E86DBC2DA8}" type="slidenum">
+              <a:rPr lang="ru-RU" sz="2400" smtClean="0"/>
+              <a:t>21</a:t>
+            </a:fld>
             <a:r>
               <a:rPr lang="ru-RU" sz="2400" dirty="0" smtClean="0"/>
-              <a:t>20/30</a:t>
+              <a:t>/31</a:t>
             </a:r>
             <a:endParaRPr lang="ru-RU" sz="2400" dirty="0"/>
           </a:p>
@@ -6134,7 +6317,7 @@
 </p:sld>
 </file>
 
-<file path=ppt/slides/slide21.xml><?xml version="1.0" encoding="utf-8"?>
+<file path=ppt/slides/slide22.xml><?xml version="1.0" encoding="utf-8"?>
 <p:sld xmlns:a="http://schemas.openxmlformats.org/drawingml/2006/main" xmlns:r="http://schemas.openxmlformats.org/officeDocument/2006/relationships" xmlns:p="http://schemas.openxmlformats.org/presentationml/2006/main">
   <p:cSld>
     <p:spTree>
@@ -6178,9 +6361,13 @@
               <a:rPr lang="ru-RU" sz="3600" dirty="0" smtClean="0"/>
               <a:t>       </a:t>
             </a:r>
+            <a:fld id="{78C81266-8627-4C41-9297-BF6CDF2A3507}" type="slidenum">
+              <a:rPr lang="ru-RU" sz="2400" smtClean="0"/>
+              <a:t>22</a:t>
+            </a:fld>
             <a:r>
               <a:rPr lang="ru-RU" sz="2400" dirty="0" smtClean="0"/>
-              <a:t>21/30</a:t>
+              <a:t>/31</a:t>
             </a:r>
             <a:endParaRPr lang="ru-RU" sz="2400" dirty="0"/>
           </a:p>
@@ -6195,7 +6382,7 @@
           <p:nvPr/>
         </p:nvPicPr>
         <p:blipFill>
-          <a:blip r:embed="rId2"/>
+          <a:blip r:embed="rId3"/>
           <a:srcRect/>
           <a:stretch>
             <a:fillRect/>
@@ -6221,7 +6408,7 @@
           <p:nvPr/>
         </p:nvPicPr>
         <p:blipFill>
-          <a:blip r:embed="rId3">
+          <a:blip r:embed="rId4">
             <a:extLst>
               <a:ext uri="{28A0092B-C50C-407E-A947-70E740481C1C}">
                 <a14:useLocalDpi xmlns:a14="http://schemas.microsoft.com/office/drawing/2010/main" val="0"/>
@@ -6269,7 +6456,7 @@
 </p:sld>
 </file>
 
-<file path=ppt/slides/slide22.xml><?xml version="1.0" encoding="utf-8"?>
+<file path=ppt/slides/slide23.xml><?xml version="1.0" encoding="utf-8"?>
 <p:sld xmlns:a="http://schemas.openxmlformats.org/drawingml/2006/main" xmlns:r="http://schemas.openxmlformats.org/officeDocument/2006/relationships" xmlns:p="http://schemas.openxmlformats.org/presentationml/2006/main">
   <p:cSld>
     <p:spTree>
@@ -6321,9 +6508,13 @@
               <a:rPr lang="en-US" sz="3600" dirty="0" smtClean="0"/>
               <a:t>		</a:t>
             </a:r>
+            <a:fld id="{3740C3AB-1B29-4C60-8477-314F7C238C6D}" type="slidenum">
+              <a:rPr lang="ru-RU" sz="2400" smtClean="0"/>
+              <a:t>23</a:t>
+            </a:fld>
             <a:r>
               <a:rPr lang="ru-RU" sz="2400" dirty="0" smtClean="0"/>
-              <a:t>22/30</a:t>
+              <a:t>/31</a:t>
             </a:r>
             <a:endParaRPr lang="ru-RU" sz="2400" dirty="0"/>
           </a:p>
@@ -6407,7 +6598,7 @@
 </p:sld>
 </file>
 
-<file path=ppt/slides/slide23.xml><?xml version="1.0" encoding="utf-8"?>
+<file path=ppt/slides/slide24.xml><?xml version="1.0" encoding="utf-8"?>
 <p:sld xmlns:a="http://schemas.openxmlformats.org/drawingml/2006/main" xmlns:r="http://schemas.openxmlformats.org/officeDocument/2006/relationships" xmlns:p="http://schemas.openxmlformats.org/presentationml/2006/main">
   <p:cSld>
     <p:spTree>
@@ -6455,13 +6646,13 @@
               <a:rPr lang="en-US" sz="3600" dirty="0" smtClean="0"/>
               <a:t>		</a:t>
             </a:r>
-            <a:r>
-              <a:rPr lang="en-US" sz="2400" dirty="0" smtClean="0"/>
-              <a:t>2</a:t>
-            </a:r>
+            <a:fld id="{F95AED34-CC81-41C7-B212-CA80EC402E02}" type="slidenum">
+              <a:rPr lang="en-US" sz="2400" smtClean="0"/>
+              <a:t>24</a:t>
+            </a:fld>
             <a:r>
               <a:rPr lang="ru-RU" sz="2400" dirty="0" smtClean="0"/>
-              <a:t>3/30</a:t>
+              <a:t>/31</a:t>
             </a:r>
             <a:endParaRPr lang="ru-RU" sz="2400" dirty="0"/>
           </a:p>
@@ -6545,7 +6736,7 @@
 </p:sld>
 </file>
 
-<file path=ppt/slides/slide24.xml><?xml version="1.0" encoding="utf-8"?>
+<file path=ppt/slides/slide25.xml><?xml version="1.0" encoding="utf-8"?>
 <p:sld xmlns:a="http://schemas.openxmlformats.org/drawingml/2006/main" xmlns:r="http://schemas.openxmlformats.org/officeDocument/2006/relationships" xmlns:p="http://schemas.openxmlformats.org/presentationml/2006/main">
   <p:cSld>
     <p:spTree>
@@ -6593,9 +6784,13 @@
               <a:rPr lang="en-US" sz="3600" dirty="0" smtClean="0"/>
               <a:t>		</a:t>
             </a:r>
+            <a:fld id="{16124016-119A-4BF5-B5C7-B9C4DF3AC4EE}" type="slidenum">
+              <a:rPr lang="ru-RU" sz="2400" smtClean="0"/>
+              <a:t>25</a:t>
+            </a:fld>
             <a:r>
               <a:rPr lang="ru-RU" sz="2400" dirty="0" smtClean="0"/>
-              <a:t>24/30</a:t>
+              <a:t>/31</a:t>
             </a:r>
             <a:endParaRPr lang="ru-RU" sz="2400" dirty="0"/>
           </a:p>
@@ -6679,7 +6874,7 @@
 </p:sld>
 </file>
 
-<file path=ppt/slides/slide25.xml><?xml version="1.0" encoding="utf-8"?>
+<file path=ppt/slides/slide26.xml><?xml version="1.0" encoding="utf-8"?>
 <p:sld xmlns:a="http://schemas.openxmlformats.org/drawingml/2006/main" xmlns:r="http://schemas.openxmlformats.org/officeDocument/2006/relationships" xmlns:p="http://schemas.openxmlformats.org/presentationml/2006/main">
   <p:cSld>
     <p:spTree>
@@ -6727,9 +6922,13 @@
               <a:rPr lang="en-US" sz="3600" dirty="0" smtClean="0"/>
               <a:t>		</a:t>
             </a:r>
+            <a:fld id="{5FC8E409-9CF4-4256-98CC-1C325AFE10C8}" type="slidenum">
+              <a:rPr lang="ru-RU" sz="2400" smtClean="0"/>
+              <a:t>26</a:t>
+            </a:fld>
             <a:r>
               <a:rPr lang="ru-RU" sz="2400" dirty="0" smtClean="0"/>
-              <a:t>25/30</a:t>
+              <a:t>/31</a:t>
             </a:r>
             <a:endParaRPr lang="ru-RU" sz="2400" dirty="0"/>
           </a:p>
@@ -6841,7 +7040,7 @@
 </p:sld>
 </file>
 
-<file path=ppt/slides/slide26.xml><?xml version="1.0" encoding="utf-8"?>
+<file path=ppt/slides/slide27.xml><?xml version="1.0" encoding="utf-8"?>
 <p:sld xmlns:a="http://schemas.openxmlformats.org/drawingml/2006/main" xmlns:r="http://schemas.openxmlformats.org/officeDocument/2006/relationships" xmlns:p="http://schemas.openxmlformats.org/presentationml/2006/main">
   <p:cSld>
     <p:spTree>
@@ -6889,9 +7088,13 @@
               <a:rPr lang="en-US" sz="3600" dirty="0" smtClean="0"/>
               <a:t>		</a:t>
             </a:r>
+            <a:fld id="{968DE5AD-6523-4461-AD12-DF2E69677FC3}" type="slidenum">
+              <a:rPr lang="ru-RU" sz="2400" smtClean="0"/>
+              <a:t>27</a:t>
+            </a:fld>
             <a:r>
               <a:rPr lang="ru-RU" sz="2400" dirty="0" smtClean="0"/>
-              <a:t>26/30</a:t>
+              <a:t>/31</a:t>
             </a:r>
             <a:endParaRPr lang="ru-RU" sz="2400" dirty="0"/>
           </a:p>
@@ -6980,7 +7183,7 @@
 </p:sld>
 </file>
 
-<file path=ppt/slides/slide27.xml><?xml version="1.0" encoding="utf-8"?>
+<file path=ppt/slides/slide28.xml><?xml version="1.0" encoding="utf-8"?>
 <p:sld xmlns:a="http://schemas.openxmlformats.org/drawingml/2006/main" xmlns:r="http://schemas.openxmlformats.org/officeDocument/2006/relationships" xmlns:p="http://schemas.openxmlformats.org/presentationml/2006/main">
   <p:cSld>
     <p:spTree>
@@ -7017,9 +7220,13 @@
               <a:rPr lang="ru-RU" sz="3600" dirty="0"/>
               <a:t>Результаты ответов            </a:t>
             </a:r>
+            <a:fld id="{8386197E-356B-4BBF-9285-9129235E5C75}" type="slidenum">
+              <a:rPr lang="ru-RU" sz="2400" smtClean="0"/>
+              <a:t>28</a:t>
+            </a:fld>
             <a:r>
               <a:rPr lang="ru-RU" sz="2400" dirty="0" smtClean="0"/>
-              <a:t>27/30</a:t>
+              <a:t>/31</a:t>
             </a:r>
             <a:endParaRPr lang="ru-RU" sz="2400" dirty="0"/>
           </a:p>
@@ -7103,7 +7310,7 @@
 </p:sld>
 </file>
 
-<file path=ppt/slides/slide28.xml><?xml version="1.0" encoding="utf-8"?>
+<file path=ppt/slides/slide29.xml><?xml version="1.0" encoding="utf-8"?>
 <p:sld xmlns:a="http://schemas.openxmlformats.org/drawingml/2006/main" xmlns:r="http://schemas.openxmlformats.org/officeDocument/2006/relationships" xmlns:p="http://schemas.openxmlformats.org/presentationml/2006/main">
   <p:cSld>
     <p:spTree>
@@ -7143,13 +7350,13 @@
               <a:rPr lang="en-US" sz="3600" dirty="0" smtClean="0"/>
               <a:t>    </a:t>
             </a:r>
-            <a:r>
-              <a:rPr lang="ru-RU" sz="2800" dirty="0" smtClean="0"/>
-              <a:t>28</a:t>
-            </a:r>
+            <a:fld id="{292D0CA2-4D1E-414C-9D8F-60DA32F52528}" type="slidenum">
+              <a:rPr lang="ru-RU" sz="2800" smtClean="0"/>
+              <a:t>29</a:t>
+            </a:fld>
             <a:r>
               <a:rPr lang="en-US" sz="2800" dirty="0" smtClean="0"/>
-              <a:t>/30</a:t>
+              <a:t>/31</a:t>
             </a:r>
             <a:endParaRPr lang="ru-RU" sz="3600" dirty="0"/>
           </a:p>
@@ -7240,7 +7447,7 @@
 </p:sld>
 </file>
 
-<file path=ppt/slides/slide29.xml><?xml version="1.0" encoding="utf-8"?>
+<file path=ppt/slides/slide3.xml><?xml version="1.0" encoding="utf-8"?>
 <p:sld xmlns:a="http://schemas.openxmlformats.org/drawingml/2006/main" xmlns:r="http://schemas.openxmlformats.org/officeDocument/2006/relationships" xmlns:p="http://schemas.openxmlformats.org/presentationml/2006/main">
   <p:cSld>
     <p:spTree>
@@ -7259,9 +7466,9 @@
       </p:grpSpPr>
       <p:sp>
         <p:nvSpPr>
-          <p:cNvPr id="190466" name="Rectangle 2"/>
-          <p:cNvSpPr>
-            <a:spLocks noGrp="1" noChangeArrowheads="1"/>
+          <p:cNvPr id="2" name="Заголовок 1"/>
+          <p:cNvSpPr>
+            <a:spLocks noGrp="1"/>
           </p:cNvSpPr>
           <p:nvPr>
             <p:ph type="title"/>
@@ -7272,14 +7479,302 @@
           <a:bodyPr/>
           <a:lstStyle/>
           <a:p>
+            <a:r>
+              <a:rPr lang="ru-RU" dirty="0" smtClean="0"/>
+              <a:t>Постановка </a:t>
+            </a:r>
+            <a:r>
+              <a:rPr lang="ru-RU" dirty="0" smtClean="0"/>
+              <a:t>задачи</a:t>
+            </a:r>
+            <a:r>
+              <a:rPr lang="en-US" dirty="0" smtClean="0"/>
+              <a:t> </a:t>
+            </a:r>
+            <a:br>
+              <a:rPr lang="en-US" dirty="0" smtClean="0"/>
+            </a:br>
+            <a:r>
+              <a:rPr lang="en-US" sz="2800" dirty="0" smtClean="0"/>
+              <a:t>(</a:t>
+            </a:r>
+            <a:r>
+              <a:rPr lang="ru-RU" sz="2800" dirty="0" smtClean="0"/>
+              <a:t>в лабораторной работе</a:t>
+            </a:r>
+            <a:r>
+              <a:rPr lang="en-US" sz="2800" dirty="0" smtClean="0"/>
+              <a:t>)</a:t>
+            </a:r>
+            <a:endParaRPr lang="ru-RU" sz="2800" dirty="0"/>
+          </a:p>
+        </p:txBody>
+      </p:sp>
+      <p:sp>
+        <p:nvSpPr>
+          <p:cNvPr id="3" name="Содержимое 2"/>
+          <p:cNvSpPr>
+            <a:spLocks noGrp="1"/>
+          </p:cNvSpPr>
+          <p:nvPr>
+            <p:ph idx="1"/>
+          </p:nvPr>
+        </p:nvSpPr>
+        <p:spPr/>
+        <p:txBody>
+          <a:bodyPr/>
+          <a:lstStyle/>
+          <a:p>
+            <a:pPr lvl="0"/>
+            <a:r>
+              <a:rPr lang="ru-RU" sz="2400" dirty="0" smtClean="0"/>
+              <a:t>Ознакомиться с обучающей компьютерной программой </a:t>
+            </a:r>
+            <a:r>
+              <a:rPr lang="en-US" sz="2400" b="1" i="1" dirty="0" smtClean="0"/>
+              <a:t>El</a:t>
+            </a:r>
+            <a:r>
+              <a:rPr lang="ru-RU" sz="2400" b="1" i="1" dirty="0" smtClean="0"/>
+              <a:t>-</a:t>
+            </a:r>
+            <a:r>
+              <a:rPr lang="en-US" sz="2400" b="1" i="1" dirty="0" err="1" smtClean="0"/>
+              <a:t>Gamal</a:t>
+            </a:r>
+            <a:r>
+              <a:rPr lang="ru-RU" sz="2400" b="1" i="1" dirty="0" smtClean="0"/>
+              <a:t>_</a:t>
+            </a:r>
+            <a:r>
+              <a:rPr lang="en-US" sz="2400" b="1" i="1" dirty="0" smtClean="0"/>
+              <a:t>Tutor</a:t>
+            </a:r>
+            <a:r>
+              <a:rPr lang="ru-RU" sz="2400" b="1" dirty="0" smtClean="0"/>
+              <a:t>.</a:t>
+            </a:r>
+            <a:endParaRPr lang="ru-RU" sz="2400" dirty="0" smtClean="0"/>
+          </a:p>
+          <a:p>
+            <a:r>
+              <a:rPr lang="ru-RU" sz="2400" dirty="0" smtClean="0"/>
+              <a:t>Изучить и привести описание алгоритма Эль </a:t>
+            </a:r>
+            <a:r>
+              <a:rPr lang="ru-RU" sz="2400" dirty="0" err="1" smtClean="0"/>
+              <a:t>Гамаля</a:t>
+            </a:r>
+            <a:r>
+              <a:rPr lang="ru-RU" sz="2400" dirty="0" smtClean="0"/>
+              <a:t> (в соответствии с обозначениями из [4]) с доказательством корректности алгоритма, его достоинствами и недостатками.</a:t>
+            </a:r>
+          </a:p>
+          <a:p>
+            <a:pPr lvl="0"/>
+            <a:r>
+              <a:rPr lang="ru-RU" sz="2400" dirty="0" smtClean="0"/>
+              <a:t>Зафиксировать (для отчета) последовательность этапов обучения в программе </a:t>
+            </a:r>
+            <a:r>
+              <a:rPr lang="en-US" sz="2400" b="1" i="1" dirty="0" smtClean="0"/>
+              <a:t>El</a:t>
+            </a:r>
+            <a:r>
+              <a:rPr lang="ru-RU" sz="2400" b="1" i="1" dirty="0" smtClean="0"/>
+              <a:t>-</a:t>
+            </a:r>
+            <a:r>
+              <a:rPr lang="en-US" sz="2400" b="1" i="1" dirty="0" err="1" smtClean="0"/>
+              <a:t>Gamal</a:t>
+            </a:r>
+            <a:r>
+              <a:rPr lang="ru-RU" sz="2400" b="1" i="1" dirty="0" smtClean="0"/>
+              <a:t>_</a:t>
+            </a:r>
+            <a:r>
+              <a:rPr lang="en-US" sz="2400" b="1" i="1" dirty="0" smtClean="0"/>
+              <a:t>Tutor</a:t>
+            </a:r>
+            <a:r>
+              <a:rPr lang="ru-RU" sz="2400" b="1" i="1" dirty="0" smtClean="0"/>
+              <a:t>.</a:t>
+            </a:r>
+            <a:endParaRPr lang="ru-RU" sz="2400" dirty="0" smtClean="0"/>
+          </a:p>
+          <a:p>
+            <a:pPr lvl="0"/>
+            <a:r>
+              <a:rPr lang="ru-RU" sz="2400" dirty="0" smtClean="0"/>
+              <a:t>Провести тестирование программы</a:t>
+            </a:r>
+            <a:r>
+              <a:rPr lang="ru-RU" sz="2400" b="1" dirty="0" smtClean="0"/>
+              <a:t> </a:t>
+            </a:r>
+            <a:r>
+              <a:rPr lang="en-US" sz="2400" b="1" i="1" dirty="0" smtClean="0"/>
+              <a:t>El</a:t>
+            </a:r>
+            <a:r>
+              <a:rPr lang="ru-RU" sz="2400" b="1" i="1" dirty="0" smtClean="0"/>
+              <a:t>-</a:t>
+            </a:r>
+            <a:r>
+              <a:rPr lang="en-US" sz="2400" b="1" i="1" dirty="0" err="1" smtClean="0"/>
+              <a:t>Gamal</a:t>
+            </a:r>
+            <a:r>
+              <a:rPr lang="ru-RU" sz="2400" b="1" i="1" dirty="0" smtClean="0"/>
+              <a:t>_</a:t>
+            </a:r>
+            <a:r>
+              <a:rPr lang="en-US" sz="2400" b="1" i="1" dirty="0" smtClean="0"/>
+              <a:t>Tutor</a:t>
+            </a:r>
+            <a:r>
+              <a:rPr lang="en-US" sz="2400" b="1" dirty="0" smtClean="0"/>
+              <a:t> </a:t>
+            </a:r>
+            <a:r>
+              <a:rPr lang="ru-RU" sz="2400" dirty="0" smtClean="0"/>
+              <a:t> с целью выявления ошибок и недочетов.</a:t>
+            </a:r>
+          </a:p>
+        </p:txBody>
+      </p:sp>
+      <p:sp>
+        <p:nvSpPr>
+          <p:cNvPr id="4" name="Прямоугольник 3"/>
+          <p:cNvSpPr/>
+          <p:nvPr/>
+        </p:nvSpPr>
+        <p:spPr>
+          <a:xfrm>
+            <a:off x="8041927" y="457122"/>
+            <a:ext cx="806631" cy="461665"/>
+          </a:xfrm>
+          <a:prstGeom prst="rect">
+            <a:avLst/>
+          </a:prstGeom>
+        </p:spPr>
+        <p:txBody>
+          <a:bodyPr wrap="none">
+            <a:spAutoFit/>
+          </a:bodyPr>
+          <a:lstStyle/>
+          <a:p>
+            <a:fld id="{B4A46585-9E4F-4B4C-B7CC-3B3559D242F9}" type="slidenum">
+              <a:rPr lang="ru-RU" smtClean="0">
+                <a:latin typeface="+mj-lt"/>
+              </a:rPr>
+              <a:t>3</a:t>
+            </a:fld>
+            <a:r>
+              <a:rPr lang="ru-RU" dirty="0" smtClean="0">
+                <a:latin typeface="+mj-lt"/>
+              </a:rPr>
+              <a:t>/31</a:t>
+            </a:r>
+            <a:endParaRPr lang="ru-RU" dirty="0">
+              <a:latin typeface="+mj-lt"/>
+            </a:endParaRPr>
+          </a:p>
+        </p:txBody>
+      </p:sp>
+      <p:pic>
+        <p:nvPicPr>
+          <p:cNvPr id="6" name="Picture 4"/>
+          <p:cNvPicPr>
+            <a:picLocks noChangeAspect="1" noChangeArrowheads="1"/>
+          </p:cNvPicPr>
+          <p:nvPr/>
+        </p:nvPicPr>
+        <p:blipFill>
+          <a:blip r:embed="rId2"/>
+          <a:srcRect/>
+          <a:stretch>
+            <a:fillRect/>
+          </a:stretch>
+        </p:blipFill>
+        <p:spPr bwMode="auto">
+          <a:xfrm>
+            <a:off x="107950" y="115888"/>
+            <a:ext cx="1331913" cy="982662"/>
+          </a:xfrm>
+          <a:prstGeom prst="rect">
+            <a:avLst/>
+          </a:prstGeom>
+          <a:noFill/>
+        </p:spPr>
+      </p:pic>
+    </p:spTree>
+    <p:extLst>
+      <p:ext uri="{BB962C8B-B14F-4D97-AF65-F5344CB8AC3E}">
+        <p14:creationId xmlns:p14="http://schemas.microsoft.com/office/powerpoint/2010/main" val="3596890582"/>
+      </p:ext>
+    </p:extLst>
+  </p:cSld>
+  <p:clrMapOvr>
+    <a:masterClrMapping/>
+  </p:clrMapOvr>
+  <p:transition>
+    <p:wipe dir="r"/>
+  </p:transition>
+  <p:timing>
+    <p:tnLst>
+      <p:par>
+        <p:cTn id="1" dur="indefinite" restart="never" nodeType="tmRoot"/>
+      </p:par>
+    </p:tnLst>
+  </p:timing>
+</p:sld>
+</file>
+
+<file path=ppt/slides/slide30.xml><?xml version="1.0" encoding="utf-8"?>
+<p:sld xmlns:a="http://schemas.openxmlformats.org/drawingml/2006/main" xmlns:r="http://schemas.openxmlformats.org/officeDocument/2006/relationships" xmlns:p="http://schemas.openxmlformats.org/presentationml/2006/main">
+  <p:cSld>
+    <p:spTree>
+      <p:nvGrpSpPr>
+        <p:cNvPr id="1" name=""/>
+        <p:cNvGrpSpPr/>
+        <p:nvPr/>
+      </p:nvGrpSpPr>
+      <p:grpSpPr>
+        <a:xfrm>
+          <a:off x="0" y="0"/>
+          <a:ext cx="0" cy="0"/>
+          <a:chOff x="0" y="0"/>
+          <a:chExt cx="0" cy="0"/>
+        </a:xfrm>
+      </p:grpSpPr>
+      <p:sp>
+        <p:nvSpPr>
+          <p:cNvPr id="190466" name="Rectangle 2"/>
+          <p:cNvSpPr>
+            <a:spLocks noGrp="1" noChangeArrowheads="1"/>
+          </p:cNvSpPr>
+          <p:nvPr>
+            <p:ph type="title"/>
+          </p:nvPr>
+        </p:nvSpPr>
+        <p:spPr/>
+        <p:txBody>
+          <a:bodyPr/>
+          <a:lstStyle/>
+          <a:p>
             <a:pPr algn="ctr"/>
             <a:r>
               <a:rPr lang="ru-RU" sz="4000" dirty="0"/>
               <a:t>Библиография               </a:t>
             </a:r>
-            <a:r>
-              <a:rPr lang="ru-RU" sz="2400" dirty="0" smtClean="0"/>
-              <a:t>29/30</a:t>
+            <a:fld id="{2BB2BC38-F4BF-4C7D-AB94-888AE925290A}" type="slidenum">
+              <a:rPr lang="ru-RU" sz="2400" smtClean="0"/>
+              <a:t>30</a:t>
+            </a:fld>
+            <a:r>
+              <a:rPr lang="en-US" sz="2400" dirty="0" smtClean="0"/>
+              <a:t>/31</a:t>
             </a:r>
             <a:endParaRPr lang="ru-RU" sz="2000" dirty="0"/>
           </a:p>
@@ -7610,188 +8105,7 @@
 </p:sld>
 </file>
 
-<file path=ppt/slides/slide3.xml><?xml version="1.0" encoding="utf-8"?>
-<p:sld xmlns:a="http://schemas.openxmlformats.org/drawingml/2006/main" xmlns:r="http://schemas.openxmlformats.org/officeDocument/2006/relationships" xmlns:p="http://schemas.openxmlformats.org/presentationml/2006/main">
-  <p:cSld>
-    <p:spTree>
-      <p:nvGrpSpPr>
-        <p:cNvPr id="1" name=""/>
-        <p:cNvGrpSpPr/>
-        <p:nvPr/>
-      </p:nvGrpSpPr>
-      <p:grpSpPr>
-        <a:xfrm>
-          <a:off x="0" y="0"/>
-          <a:ext cx="0" cy="0"/>
-          <a:chOff x="0" y="0"/>
-          <a:chExt cx="0" cy="0"/>
-        </a:xfrm>
-      </p:grpSpPr>
-      <p:sp>
-        <p:nvSpPr>
-          <p:cNvPr id="2" name="Заголовок 1"/>
-          <p:cNvSpPr>
-            <a:spLocks noGrp="1"/>
-          </p:cNvSpPr>
-          <p:nvPr>
-            <p:ph type="title"/>
-          </p:nvPr>
-        </p:nvSpPr>
-        <p:spPr/>
-        <p:txBody>
-          <a:bodyPr/>
-          <a:lstStyle/>
-          <a:p>
-            <a:r>
-              <a:rPr lang="ru-RU" dirty="0" smtClean="0"/>
-              <a:t>Постановка задачи</a:t>
-            </a:r>
-            <a:endParaRPr lang="ru-RU" dirty="0"/>
-          </a:p>
-        </p:txBody>
-      </p:sp>
-      <p:sp>
-        <p:nvSpPr>
-          <p:cNvPr id="3" name="Содержимое 2"/>
-          <p:cNvSpPr>
-            <a:spLocks noGrp="1"/>
-          </p:cNvSpPr>
-          <p:nvPr>
-            <p:ph idx="1"/>
-          </p:nvPr>
-        </p:nvSpPr>
-        <p:spPr/>
-        <p:txBody>
-          <a:bodyPr/>
-          <a:lstStyle/>
-          <a:p>
-            <a:pPr lvl="0"/>
-            <a:r>
-              <a:rPr lang="ru-RU" sz="2400" dirty="0" smtClean="0"/>
-              <a:t>С помощью пакета прикладных программ </a:t>
-            </a:r>
-            <a:r>
-              <a:rPr lang="en-US" sz="2400" dirty="0" smtClean="0"/>
-              <a:t>Maple</a:t>
-            </a:r>
-            <a:r>
-              <a:rPr lang="ru-RU" sz="2400" dirty="0" smtClean="0"/>
-              <a:t> произвести шифрование и </a:t>
-            </a:r>
-            <a:r>
-              <a:rPr lang="ru-RU" sz="2400" dirty="0" err="1" smtClean="0"/>
-              <a:t>расшифрование</a:t>
-            </a:r>
-            <a:r>
-              <a:rPr lang="ru-RU" sz="2400" dirty="0" smtClean="0"/>
-              <a:t> сообщения, заданного в виде одного блока открытого текста. </a:t>
-            </a:r>
-          </a:p>
-          <a:p>
-            <a:pPr lvl="0"/>
-            <a:r>
-              <a:rPr lang="ru-RU" sz="2400" dirty="0" smtClean="0"/>
-              <a:t>Сформулировать и обосновать принципы работы алгоритма Эль </a:t>
-            </a:r>
-            <a:r>
-              <a:rPr lang="ru-RU" sz="2400" dirty="0" err="1" smtClean="0"/>
-              <a:t>Гамаля</a:t>
-            </a:r>
-            <a:r>
-              <a:rPr lang="ru-RU" sz="2400" dirty="0" smtClean="0"/>
-              <a:t>.</a:t>
-            </a:r>
-          </a:p>
-          <a:p>
-            <a:pPr lvl="0"/>
-            <a:r>
-              <a:rPr lang="ru-RU" sz="2400" dirty="0" smtClean="0"/>
-              <a:t>Одним из методов решения задачи дискретного логарифмирования осуществить </a:t>
-            </a:r>
-            <a:r>
-              <a:rPr lang="ru-RU" sz="2400" dirty="0" err="1" smtClean="0"/>
-              <a:t>криптоанализ</a:t>
-            </a:r>
-            <a:r>
-              <a:rPr lang="ru-RU" sz="2400" dirty="0" smtClean="0"/>
-              <a:t> заданного шифрованного текста на основе известных составляющих открытого ключа .</a:t>
-            </a:r>
-          </a:p>
-          <a:p>
-            <a:pPr lvl="0"/>
-            <a:r>
-              <a:rPr lang="ru-RU" sz="2400" dirty="0" smtClean="0"/>
-              <a:t>Ответить на контрольные вопросы.</a:t>
-            </a:r>
-          </a:p>
-          <a:p>
-            <a:pPr lvl="0"/>
-            <a:r>
-              <a:rPr lang="ru-RU" sz="2400" dirty="0" smtClean="0"/>
-              <a:t>Составить и защитить отчет о проделанной работе.</a:t>
-            </a:r>
-            <a:endParaRPr lang="ru-RU" sz="2400" dirty="0"/>
-          </a:p>
-        </p:txBody>
-      </p:sp>
-      <p:sp>
-        <p:nvSpPr>
-          <p:cNvPr id="4" name="Прямоугольник 3"/>
-          <p:cNvSpPr/>
-          <p:nvPr/>
-        </p:nvSpPr>
-        <p:spPr>
-          <a:xfrm>
-            <a:off x="8072462" y="857232"/>
-            <a:ext cx="700833" cy="400110"/>
-          </a:xfrm>
-          <a:prstGeom prst="rect">
-            <a:avLst/>
-          </a:prstGeom>
-        </p:spPr>
-        <p:txBody>
-          <a:bodyPr wrap="none">
-            <a:spAutoFit/>
-          </a:bodyPr>
-          <a:lstStyle/>
-          <a:p>
-            <a:r>
-              <a:rPr lang="en-US" sz="2000" dirty="0" smtClean="0">
-                <a:latin typeface="+mj-lt"/>
-              </a:rPr>
-              <a:t>3</a:t>
-            </a:r>
-            <a:r>
-              <a:rPr lang="ru-RU" sz="2000" dirty="0" smtClean="0">
-                <a:latin typeface="+mj-lt"/>
-              </a:rPr>
-              <a:t>/30</a:t>
-            </a:r>
-            <a:endParaRPr lang="ru-RU" sz="2000" dirty="0">
-              <a:latin typeface="+mj-lt"/>
-            </a:endParaRPr>
-          </a:p>
-        </p:txBody>
-      </p:sp>
-    </p:spTree>
-  </p:cSld>
-  <p:clrMapOvr>
-    <a:masterClrMapping/>
-  </p:clrMapOvr>
-  <p:transition>
-    <p:wipe dir="r"/>
-  </p:transition>
-  <p:timing>
-    <p:tnLst>
-      <p:par>
-        <p:cTn id="1" dur="indefinite" restart="never" nodeType="tmRoot"/>
-      </p:par>
-    </p:tnLst>
-  </p:timing>
-</p:sld>
-</file>
-
-<file path=ppt/slides/slide30.xml><?xml version="1.0" encoding="utf-8"?>
+<file path=ppt/slides/slide31.xml><?xml version="1.0" encoding="utf-8"?>
 <p:sld xmlns:a="http://schemas.openxmlformats.org/drawingml/2006/main" xmlns:r="http://schemas.openxmlformats.org/officeDocument/2006/relationships" xmlns:p="http://schemas.openxmlformats.org/presentationml/2006/main">
   <p:cSld>
     <p:spTree>
@@ -7930,316 +8244,153 @@
       </p:grpSpPr>
       <p:sp>
         <p:nvSpPr>
-          <p:cNvPr id="197634" name="Rectangle 2"/>
-          <p:cNvSpPr>
-            <a:spLocks noGrp="1" noChangeArrowheads="1"/>
+          <p:cNvPr id="2" name="Заголовок 1"/>
+          <p:cNvSpPr>
+            <a:spLocks noGrp="1"/>
           </p:cNvSpPr>
           <p:nvPr>
             <p:ph type="title"/>
           </p:nvPr>
+        </p:nvSpPr>
+        <p:spPr/>
+        <p:txBody>
+          <a:bodyPr/>
+          <a:lstStyle/>
+          <a:p>
+            <a:r>
+              <a:rPr lang="ru-RU" dirty="0" smtClean="0"/>
+              <a:t>Постановка задачи</a:t>
+            </a:r>
+            <a:endParaRPr lang="ru-RU" dirty="0"/>
+          </a:p>
+        </p:txBody>
+      </p:sp>
+      <p:sp>
+        <p:nvSpPr>
+          <p:cNvPr id="3" name="Содержимое 2"/>
+          <p:cNvSpPr>
+            <a:spLocks noGrp="1"/>
+          </p:cNvSpPr>
+          <p:nvPr>
+            <p:ph idx="1"/>
+          </p:nvPr>
+        </p:nvSpPr>
+        <p:spPr/>
+        <p:txBody>
+          <a:bodyPr/>
+          <a:lstStyle/>
+          <a:p>
+            <a:pPr lvl="0"/>
+            <a:r>
+              <a:rPr lang="ru-RU" sz="2400" dirty="0" smtClean="0"/>
+              <a:t>С помощью пакета прикладных программ </a:t>
+            </a:r>
+            <a:r>
+              <a:rPr lang="en-US" sz="2400" dirty="0" smtClean="0"/>
+              <a:t>Maple</a:t>
+            </a:r>
+            <a:r>
+              <a:rPr lang="ru-RU" sz="2400" dirty="0" smtClean="0"/>
+              <a:t> произвести шифрование и </a:t>
+            </a:r>
+            <a:r>
+              <a:rPr lang="ru-RU" sz="2400" dirty="0" err="1" smtClean="0"/>
+              <a:t>расшифрование</a:t>
+            </a:r>
+            <a:r>
+              <a:rPr lang="ru-RU" sz="2400" dirty="0" smtClean="0"/>
+              <a:t> сообщения, заданного в виде одного блока открытого текста. </a:t>
+            </a:r>
+          </a:p>
+          <a:p>
+            <a:pPr lvl="0"/>
+            <a:r>
+              <a:rPr lang="ru-RU" sz="2400" dirty="0" smtClean="0"/>
+              <a:t>Сформулировать и обосновать принципы работы алгоритма Эль </a:t>
+            </a:r>
+            <a:r>
+              <a:rPr lang="ru-RU" sz="2400" dirty="0" err="1" smtClean="0"/>
+              <a:t>Гамаля</a:t>
+            </a:r>
+            <a:r>
+              <a:rPr lang="ru-RU" sz="2400" dirty="0" smtClean="0"/>
+              <a:t>.</a:t>
+            </a:r>
+          </a:p>
+          <a:p>
+            <a:pPr lvl="0"/>
+            <a:r>
+              <a:rPr lang="ru-RU" sz="2400" dirty="0" smtClean="0"/>
+              <a:t>Одним из методов решения задачи дискретного логарифмирования осуществить </a:t>
+            </a:r>
+            <a:r>
+              <a:rPr lang="ru-RU" sz="2400" dirty="0" err="1" smtClean="0"/>
+              <a:t>криптоанализ</a:t>
+            </a:r>
+            <a:r>
+              <a:rPr lang="ru-RU" sz="2400" dirty="0" smtClean="0"/>
+              <a:t> заданного шифрованного текста на основе известных составляющих открытого ключа .</a:t>
+            </a:r>
+          </a:p>
+          <a:p>
+            <a:pPr lvl="0"/>
+            <a:r>
+              <a:rPr lang="ru-RU" sz="2400" dirty="0" smtClean="0"/>
+              <a:t>Ответить на контрольные вопросы.</a:t>
+            </a:r>
+          </a:p>
+          <a:p>
+            <a:pPr lvl="0"/>
+            <a:r>
+              <a:rPr lang="ru-RU" sz="2400" dirty="0" smtClean="0"/>
+              <a:t>Составить и защитить отчет о проделанной работе.</a:t>
+            </a:r>
+            <a:endParaRPr lang="ru-RU" sz="2400" dirty="0"/>
+          </a:p>
+        </p:txBody>
+      </p:sp>
+      <p:sp>
+        <p:nvSpPr>
+          <p:cNvPr id="4" name="Прямоугольник 3"/>
+          <p:cNvSpPr/>
+          <p:nvPr/>
         </p:nvSpPr>
         <p:spPr>
           <a:xfrm>
-            <a:off x="1571604" y="357166"/>
-            <a:ext cx="7381875" cy="720725"/>
+            <a:off x="7956376" y="457122"/>
+            <a:ext cx="806631" cy="461665"/>
           </a:xfrm>
+          <a:prstGeom prst="rect">
+            <a:avLst/>
+          </a:prstGeom>
         </p:spPr>
         <p:txBody>
-          <a:bodyPr/>
+          <a:bodyPr wrap="none">
+            <a:spAutoFit/>
+          </a:bodyPr>
           <a:lstStyle/>
           <a:p>
-            <a:r>
-              <a:rPr lang="ru-RU" dirty="0" smtClean="0"/>
-              <a:t>Содержание отчёта</a:t>
-            </a:r>
-            <a:r>
-              <a:rPr lang="ru-RU" sz="2800" dirty="0"/>
-              <a:t/>
-            </a:r>
-            <a:br>
-              <a:rPr lang="ru-RU" sz="2800" dirty="0"/>
-            </a:br>
-            <a:r>
-              <a:rPr lang="ru-RU" sz="2400" dirty="0"/>
-              <a:t>                                                                     </a:t>
-            </a:r>
-            <a:r>
-              <a:rPr lang="en-US" sz="2000" dirty="0" smtClean="0"/>
+            <a:fld id="{2BA913F4-DDDF-4B36-9830-EEB12A0E3973}" type="slidenum">
+              <a:rPr lang="en-US" smtClean="0">
+                <a:latin typeface="+mj-lt"/>
+              </a:rPr>
               <a:t>4</a:t>
-            </a:r>
-            <a:r>
-              <a:rPr lang="ru-RU" sz="2000" dirty="0" smtClean="0"/>
-              <a:t>/30</a:t>
-            </a:r>
-            <a:endParaRPr lang="ru-RU" sz="2000" dirty="0"/>
-          </a:p>
-        </p:txBody>
-      </p:sp>
-      <p:sp>
-        <p:nvSpPr>
-          <p:cNvPr id="197635" name="Rectangle 3"/>
-          <p:cNvSpPr>
-            <a:spLocks noGrp="1" noChangeArrowheads="1"/>
-          </p:cNvSpPr>
-          <p:nvPr>
-            <p:ph type="body" idx="1"/>
-          </p:nvPr>
-        </p:nvSpPr>
-        <p:spPr>
-          <a:xfrm>
-            <a:off x="1571604" y="1214422"/>
-            <a:ext cx="7391400" cy="5257800"/>
-          </a:xfrm>
-        </p:spPr>
-        <p:txBody>
-          <a:bodyPr/>
-          <a:lstStyle/>
-          <a:p>
-            <a:r>
-              <a:rPr lang="ru-RU" sz="2200" dirty="0" smtClean="0">
-                <a:latin typeface="Times New Roman" pitchFamily="18" charset="0"/>
-                <a:cs typeface="Times New Roman" pitchFamily="18" charset="0"/>
+            </a:fld>
+            <a:r>
+              <a:rPr lang="ru-RU" dirty="0" smtClean="0">
+                <a:latin typeface="+mj-lt"/>
               </a:rPr>
-              <a:t>Постановка задачи</a:t>
-            </a:r>
-          </a:p>
-          <a:p>
-            <a:pPr lvl="0"/>
-            <a:r>
-              <a:rPr lang="ru-RU" sz="2200" dirty="0" smtClean="0">
-                <a:latin typeface="Times New Roman" pitchFamily="18" charset="0"/>
-                <a:cs typeface="Times New Roman" pitchFamily="18" charset="0"/>
-              </a:rPr>
-              <a:t>Описание криптосистемы Эль </a:t>
-            </a:r>
-            <a:r>
-              <a:rPr lang="ru-RU" sz="2200" dirty="0" err="1" smtClean="0">
-                <a:latin typeface="Times New Roman" pitchFamily="18" charset="0"/>
-                <a:cs typeface="Times New Roman" pitchFamily="18" charset="0"/>
-              </a:rPr>
-              <a:t>Гамаля</a:t>
-            </a:r>
-            <a:r>
-              <a:rPr lang="ru-RU" sz="2200" dirty="0" smtClean="0">
-                <a:latin typeface="Times New Roman" pitchFamily="18" charset="0"/>
-                <a:cs typeface="Times New Roman" pitchFamily="18" charset="0"/>
-              </a:rPr>
-              <a:t>.</a:t>
-            </a:r>
-          </a:p>
-          <a:p>
-            <a:pPr lvl="0"/>
-            <a:r>
-              <a:rPr lang="ru-RU" sz="2200" dirty="0" smtClean="0">
-                <a:latin typeface="Times New Roman" pitchFamily="18" charset="0"/>
-                <a:cs typeface="Times New Roman" pitchFamily="18" charset="0"/>
-              </a:rPr>
-              <a:t>Последовательность этапов и результаты обучения с использованием программы </a:t>
-            </a:r>
-            <a:r>
-              <a:rPr lang="en-US" sz="2200" b="1" i="1" dirty="0" smtClean="0">
-                <a:latin typeface="Times New Roman" pitchFamily="18" charset="0"/>
-                <a:cs typeface="Times New Roman" pitchFamily="18" charset="0"/>
-              </a:rPr>
-              <a:t>El</a:t>
-            </a:r>
-            <a:r>
-              <a:rPr lang="ru-RU" sz="2200" b="1" i="1" dirty="0" smtClean="0">
-                <a:latin typeface="Times New Roman" pitchFamily="18" charset="0"/>
-                <a:cs typeface="Times New Roman" pitchFamily="18" charset="0"/>
-              </a:rPr>
-              <a:t>-</a:t>
-            </a:r>
-            <a:r>
-              <a:rPr lang="en-US" sz="2200" b="1" i="1" dirty="0" err="1" smtClean="0">
-                <a:latin typeface="Times New Roman" pitchFamily="18" charset="0"/>
-                <a:cs typeface="Times New Roman" pitchFamily="18" charset="0"/>
-              </a:rPr>
-              <a:t>Gamal</a:t>
-            </a:r>
-            <a:r>
-              <a:rPr lang="ru-RU" sz="2200" b="1" i="1" dirty="0" smtClean="0">
-                <a:latin typeface="Times New Roman" pitchFamily="18" charset="0"/>
-                <a:cs typeface="Times New Roman" pitchFamily="18" charset="0"/>
-              </a:rPr>
-              <a:t>_</a:t>
-            </a:r>
-            <a:r>
-              <a:rPr lang="en-US" sz="2200" b="1" i="1" dirty="0" smtClean="0">
-                <a:latin typeface="Times New Roman" pitchFamily="18" charset="0"/>
-                <a:cs typeface="Times New Roman" pitchFamily="18" charset="0"/>
-              </a:rPr>
-              <a:t>Tutor</a:t>
-            </a:r>
-            <a:r>
-              <a:rPr lang="ru-RU" sz="2200" dirty="0" smtClean="0">
-                <a:latin typeface="Times New Roman" pitchFamily="18" charset="0"/>
-                <a:cs typeface="Times New Roman" pitchFamily="18" charset="0"/>
-              </a:rPr>
-              <a:t>.</a:t>
-            </a:r>
-          </a:p>
-          <a:p>
-            <a:pPr lvl="0"/>
-            <a:r>
-              <a:rPr lang="ru-RU" sz="2200" dirty="0" smtClean="0">
-                <a:latin typeface="Times New Roman" pitchFamily="18" charset="0"/>
-                <a:cs typeface="Times New Roman" pitchFamily="18" charset="0"/>
-              </a:rPr>
-              <a:t>Выявление ошибок и недочетов в обучающей программе </a:t>
-            </a:r>
-            <a:r>
-              <a:rPr lang="en-US" sz="2200" b="1" i="1" dirty="0" smtClean="0">
-                <a:latin typeface="Times New Roman" pitchFamily="18" charset="0"/>
-                <a:cs typeface="Times New Roman" pitchFamily="18" charset="0"/>
-              </a:rPr>
-              <a:t>El</a:t>
-            </a:r>
-            <a:r>
-              <a:rPr lang="ru-RU" sz="2200" b="1" i="1" dirty="0" smtClean="0">
-                <a:latin typeface="Times New Roman" pitchFamily="18" charset="0"/>
-                <a:cs typeface="Times New Roman" pitchFamily="18" charset="0"/>
-              </a:rPr>
-              <a:t>-</a:t>
-            </a:r>
-            <a:r>
-              <a:rPr lang="en-US" sz="2200" b="1" i="1" dirty="0" err="1" smtClean="0">
-                <a:latin typeface="Times New Roman" pitchFamily="18" charset="0"/>
-                <a:cs typeface="Times New Roman" pitchFamily="18" charset="0"/>
-              </a:rPr>
-              <a:t>Gamal</a:t>
-            </a:r>
-            <a:r>
-              <a:rPr lang="ru-RU" sz="2200" b="1" i="1" dirty="0" smtClean="0">
-                <a:latin typeface="Times New Roman" pitchFamily="18" charset="0"/>
-                <a:cs typeface="Times New Roman" pitchFamily="18" charset="0"/>
-              </a:rPr>
-              <a:t>_</a:t>
-            </a:r>
-            <a:r>
-              <a:rPr lang="en-US" sz="2200" b="1" i="1" dirty="0" smtClean="0">
-                <a:latin typeface="Times New Roman" pitchFamily="18" charset="0"/>
-                <a:cs typeface="Times New Roman" pitchFamily="18" charset="0"/>
-              </a:rPr>
-              <a:t>Tutor</a:t>
-            </a:r>
-            <a:r>
-              <a:rPr lang="ru-RU" sz="2200" dirty="0" smtClean="0">
-                <a:latin typeface="Times New Roman" pitchFamily="18" charset="0"/>
-                <a:cs typeface="Times New Roman" pitchFamily="18" charset="0"/>
-              </a:rPr>
-              <a:t>.</a:t>
-            </a:r>
-          </a:p>
-          <a:p>
-            <a:pPr lvl="0"/>
-            <a:r>
-              <a:rPr lang="ru-RU" sz="2200" dirty="0" smtClean="0">
-                <a:latin typeface="Times New Roman" pitchFamily="18" charset="0"/>
-                <a:cs typeface="Times New Roman" pitchFamily="18" charset="0"/>
-              </a:rPr>
-              <a:t>Результаты шифрования и </a:t>
-            </a:r>
-            <a:r>
-              <a:rPr lang="ru-RU" sz="2200" dirty="0" err="1" smtClean="0">
-                <a:latin typeface="Times New Roman" pitchFamily="18" charset="0"/>
-                <a:cs typeface="Times New Roman" pitchFamily="18" charset="0"/>
-              </a:rPr>
-              <a:t>расшифрования</a:t>
-            </a:r>
-            <a:r>
-              <a:rPr lang="ru-RU" sz="2200" dirty="0" smtClean="0">
-                <a:latin typeface="Times New Roman" pitchFamily="18" charset="0"/>
-                <a:cs typeface="Times New Roman" pitchFamily="18" charset="0"/>
-              </a:rPr>
-              <a:t> с использованием ППП.</a:t>
-            </a:r>
-          </a:p>
-          <a:p>
-            <a:pPr lvl="0"/>
-            <a:r>
-              <a:rPr lang="ru-RU" sz="2200" dirty="0" smtClean="0">
-                <a:latin typeface="Times New Roman" pitchFamily="18" charset="0"/>
-                <a:cs typeface="Times New Roman" pitchFamily="18" charset="0"/>
-              </a:rPr>
-              <a:t>Принципы работы алгоритма Эль </a:t>
-            </a:r>
-            <a:r>
-              <a:rPr lang="ru-RU" sz="2200" dirty="0" err="1" smtClean="0">
-                <a:latin typeface="Times New Roman" pitchFamily="18" charset="0"/>
-                <a:cs typeface="Times New Roman" pitchFamily="18" charset="0"/>
-              </a:rPr>
-              <a:t>Гамаля</a:t>
-            </a:r>
-            <a:r>
-              <a:rPr lang="ru-RU" sz="2200" dirty="0" smtClean="0">
-                <a:latin typeface="Times New Roman" pitchFamily="18" charset="0"/>
-                <a:cs typeface="Times New Roman" pitchFamily="18" charset="0"/>
-              </a:rPr>
-              <a:t>.</a:t>
-            </a:r>
-          </a:p>
-          <a:p>
-            <a:pPr lvl="0"/>
-            <a:r>
-              <a:rPr lang="ru-RU" sz="2200" dirty="0" smtClean="0">
-                <a:latin typeface="Times New Roman" pitchFamily="18" charset="0"/>
-                <a:cs typeface="Times New Roman" pitchFamily="18" charset="0"/>
-              </a:rPr>
-              <a:t>Последовательность этапов и результаты </a:t>
-            </a:r>
-            <a:r>
-              <a:rPr lang="ru-RU" sz="2200" dirty="0" err="1" smtClean="0">
-                <a:latin typeface="Times New Roman" pitchFamily="18" charset="0"/>
-                <a:cs typeface="Times New Roman" pitchFamily="18" charset="0"/>
-              </a:rPr>
-              <a:t>криптоанализа</a:t>
-            </a:r>
-            <a:r>
-              <a:rPr lang="ru-RU" sz="2200" dirty="0" smtClean="0">
-                <a:latin typeface="Times New Roman" pitchFamily="18" charset="0"/>
-                <a:cs typeface="Times New Roman" pitchFamily="18" charset="0"/>
-              </a:rPr>
-              <a:t>.</a:t>
-            </a:r>
-          </a:p>
-          <a:p>
-            <a:pPr lvl="0"/>
-            <a:r>
-              <a:rPr lang="ru-RU" sz="2200" dirty="0" smtClean="0">
-                <a:latin typeface="Times New Roman" pitchFamily="18" charset="0"/>
-                <a:cs typeface="Times New Roman" pitchFamily="18" charset="0"/>
-              </a:rPr>
-              <a:t>Ответы на контрольные вопросы.</a:t>
-            </a:r>
-          </a:p>
-          <a:p>
-            <a:r>
-              <a:rPr lang="ru-RU" sz="2200" dirty="0" smtClean="0">
-                <a:latin typeface="Times New Roman" pitchFamily="18" charset="0"/>
-                <a:cs typeface="Times New Roman" pitchFamily="18" charset="0"/>
-              </a:rPr>
-              <a:t>Выводы</a:t>
-            </a:r>
-          </a:p>
-          <a:p>
-            <a:r>
-              <a:rPr lang="ru-RU" sz="2200" dirty="0" smtClean="0">
-                <a:latin typeface="Times New Roman" pitchFamily="18" charset="0"/>
-                <a:cs typeface="Times New Roman" pitchFamily="18" charset="0"/>
-              </a:rPr>
-              <a:t>Библиография</a:t>
-            </a:r>
-            <a:endParaRPr lang="ru-RU" sz="2200" dirty="0">
-              <a:latin typeface="Times New Roman" pitchFamily="18" charset="0"/>
-              <a:cs typeface="Times New Roman" pitchFamily="18" charset="0"/>
+              <a:t>/31</a:t>
+            </a:r>
+            <a:endParaRPr lang="ru-RU" dirty="0">
+              <a:latin typeface="+mj-lt"/>
             </a:endParaRPr>
           </a:p>
         </p:txBody>
       </p:sp>
       <p:pic>
         <p:nvPicPr>
-          <p:cNvPr id="197636" name="Picture 4"/>
+          <p:cNvPr id="6" name="Picture 4"/>
           <p:cNvPicPr>
             <a:picLocks noChangeAspect="1" noChangeArrowheads="1"/>
           </p:cNvPicPr>
@@ -8310,7 +8461,7 @@
         </p:nvSpPr>
         <p:spPr>
           <a:xfrm>
-            <a:off x="1500166" y="285728"/>
+            <a:off x="1547664" y="246856"/>
             <a:ext cx="7381875" cy="720725"/>
           </a:xfrm>
         </p:spPr>
@@ -8319,38 +8470,24 @@
           <a:lstStyle/>
           <a:p>
             <a:r>
-              <a:rPr lang="ru-RU" sz="2800" dirty="0" smtClean="0"/>
-              <a:t>Принципы работы алгоритма</a:t>
-            </a:r>
-            <a:br>
-              <a:rPr lang="ru-RU" sz="2800" dirty="0" smtClean="0"/>
-            </a:br>
-            <a:r>
-              <a:rPr lang="ru-RU" sz="2800" dirty="0" smtClean="0"/>
-              <a:t> Эль </a:t>
-            </a:r>
-            <a:r>
-              <a:rPr lang="ru-RU" sz="2800" dirty="0" err="1" smtClean="0"/>
-              <a:t>Гамаля</a:t>
-            </a:r>
-            <a:r>
-              <a:rPr lang="ru-RU" sz="2800" dirty="0"/>
-              <a:t/>
-            </a:r>
-            <a:br>
-              <a:rPr lang="ru-RU" sz="2800" dirty="0"/>
-            </a:br>
-            <a:r>
-              <a:rPr lang="ru-RU" sz="2400" dirty="0"/>
-              <a:t>                                                                     </a:t>
-            </a:r>
-            <a:r>
-              <a:rPr lang="en-US" sz="2000" dirty="0" smtClean="0"/>
-              <a:t>5</a:t>
-            </a:r>
-            <a:r>
-              <a:rPr lang="ru-RU" sz="2000" dirty="0" smtClean="0"/>
-              <a:t>/30</a:t>
+              <a:rPr lang="ru-RU" dirty="0" smtClean="0"/>
+              <a:t>Содержание </a:t>
+            </a:r>
+            <a:r>
+              <a:rPr lang="ru-RU" dirty="0" smtClean="0"/>
+              <a:t>отчёта</a:t>
+            </a:r>
+            <a:r>
+              <a:rPr lang="ru-RU" sz="2400" dirty="0" smtClean="0"/>
+              <a:t>               5</a:t>
+            </a:r>
+            <a:r>
+              <a:rPr lang="en-US" sz="2400" dirty="0" smtClean="0"/>
+              <a:t>/31</a:t>
+            </a:r>
+            <a:r>
+              <a:rPr lang="ru-RU" sz="2400" dirty="0" smtClean="0"/>
+              <a:t>                               </a:t>
             </a:r>
             <a:endParaRPr lang="ru-RU" sz="2000" dirty="0"/>
           </a:p>
@@ -8368,7 +8505,7 @@
         </p:nvSpPr>
         <p:spPr>
           <a:xfrm>
-            <a:off x="1476375" y="1268413"/>
+            <a:off x="1571604" y="1214422"/>
             <a:ext cx="7391400" cy="5257800"/>
           </a:xfrm>
         </p:spPr>
@@ -8377,91 +8514,244 @@
           <a:lstStyle/>
           <a:p>
             <a:r>
-              <a:rPr lang="ru-RU" sz="2400" dirty="0">
+              <a:rPr lang="ru-RU" sz="2200" dirty="0" smtClean="0">
                 <a:latin typeface="Times New Roman" pitchFamily="18" charset="0"/>
+                <a:cs typeface="Times New Roman" pitchFamily="18" charset="0"/>
               </a:rPr>
-              <a:t>1. Криптосистема асимметричная (</a:t>
-            </a:r>
-            <a:r>
-              <a:rPr lang="ru-RU" sz="2400" dirty="0" err="1">
+              <a:t>Постановка задачи</a:t>
+            </a:r>
+          </a:p>
+          <a:p>
+            <a:pPr lvl="0"/>
+            <a:r>
+              <a:rPr lang="ru-RU" sz="2200" dirty="0" smtClean="0">
                 <a:latin typeface="Times New Roman" pitchFamily="18" charset="0"/>
+                <a:cs typeface="Times New Roman" pitchFamily="18" charset="0"/>
               </a:rPr>
-              <a:t>двухключевая</a:t>
-            </a:r>
-            <a:r>
-              <a:rPr lang="ru-RU" sz="2400" dirty="0">
+              <a:t>Описание криптосистемы Эль </a:t>
+            </a:r>
+            <a:r>
+              <a:rPr lang="ru-RU" sz="2200" dirty="0" err="1" smtClean="0">
                 <a:latin typeface="Times New Roman" pitchFamily="18" charset="0"/>
+                <a:cs typeface="Times New Roman" pitchFamily="18" charset="0"/>
               </a:rPr>
-              <a:t>).</a:t>
-            </a:r>
-          </a:p>
-          <a:p>
-            <a:r>
-              <a:rPr lang="ru-RU" sz="2400" dirty="0">
+              <a:t>Гамаля</a:t>
+            </a:r>
+            <a:r>
+              <a:rPr lang="ru-RU" sz="2200" dirty="0" smtClean="0">
                 <a:latin typeface="Times New Roman" pitchFamily="18" charset="0"/>
+                <a:cs typeface="Times New Roman" pitchFamily="18" charset="0"/>
               </a:rPr>
-              <a:t>2. Блочная, с длиной блока открытого текста, меньше или равной длине открытого (публичного) ключа.</a:t>
-            </a:r>
-          </a:p>
-          <a:p>
-            <a:r>
-              <a:rPr lang="ru-RU" sz="2400" dirty="0">
+              <a:t>.</a:t>
+            </a:r>
+          </a:p>
+          <a:p>
+            <a:pPr lvl="0"/>
+            <a:r>
+              <a:rPr lang="ru-RU" sz="2200" dirty="0" smtClean="0">
                 <a:latin typeface="Times New Roman" pitchFamily="18" charset="0"/>
+                <a:cs typeface="Times New Roman" pitchFamily="18" charset="0"/>
               </a:rPr>
-              <a:t>3. Длина открытого и закрытого ключей, по современным представлениям</a:t>
-            </a:r>
-            <a:r>
-              <a:rPr lang="ru-RU" sz="2400">
+              <a:t>Последовательность этапов и результаты обучения с использованием программы </a:t>
+            </a:r>
+            <a:r>
+              <a:rPr lang="en-US" sz="2200" b="1" i="1" dirty="0" smtClean="0">
                 <a:latin typeface="Times New Roman" pitchFamily="18" charset="0"/>
+                <a:cs typeface="Times New Roman" pitchFamily="18" charset="0"/>
               </a:rPr>
-              <a:t>, </a:t>
-            </a:r>
-            <a:r>
-              <a:rPr lang="ru-RU" sz="2400" smtClean="0">
+              <a:t>El</a:t>
+            </a:r>
+            <a:r>
+              <a:rPr lang="ru-RU" sz="2200" b="1" i="1" dirty="0" smtClean="0">
                 <a:latin typeface="Times New Roman" pitchFamily="18" charset="0"/>
+                <a:cs typeface="Times New Roman" pitchFamily="18" charset="0"/>
               </a:rPr>
-              <a:t>2048</a:t>
-            </a:r>
-            <a:r>
-              <a:rPr lang="ru-RU" sz="2400" smtClean="0">
+              <a:t>-</a:t>
+            </a:r>
+            <a:r>
+              <a:rPr lang="en-US" sz="2200" b="1" i="1" dirty="0" err="1" smtClean="0">
                 <a:latin typeface="Times New Roman" pitchFamily="18" charset="0"/>
+                <a:cs typeface="Times New Roman" pitchFamily="18" charset="0"/>
               </a:rPr>
-              <a:t> </a:t>
-            </a:r>
-            <a:r>
-              <a:rPr lang="ru-RU" sz="2400" dirty="0">
+              <a:t>Gamal</a:t>
+            </a:r>
+            <a:r>
+              <a:rPr lang="ru-RU" sz="2200" b="1" i="1" dirty="0" smtClean="0">
                 <a:latin typeface="Times New Roman" pitchFamily="18" charset="0"/>
+                <a:cs typeface="Times New Roman" pitchFamily="18" charset="0"/>
               </a:rPr>
-              <a:t>бит или более.</a:t>
-            </a:r>
-          </a:p>
-          <a:p>
-            <a:r>
-              <a:rPr lang="ru-RU" sz="2400" dirty="0">
+              <a:t>_</a:t>
+            </a:r>
+            <a:r>
+              <a:rPr lang="en-US" sz="2200" b="1" i="1" dirty="0" smtClean="0">
                 <a:latin typeface="Times New Roman" pitchFamily="18" charset="0"/>
+                <a:cs typeface="Times New Roman" pitchFamily="18" charset="0"/>
               </a:rPr>
-              <a:t>4. Используется лишь один метод шифрования – метод аналитических преобразований.</a:t>
-            </a:r>
-          </a:p>
-          <a:p>
-            <a:r>
-              <a:rPr lang="ru-RU" sz="2400" dirty="0">
+              <a:t>Tutor</a:t>
+            </a:r>
+            <a:r>
+              <a:rPr lang="ru-RU" sz="2200" dirty="0" smtClean="0">
                 <a:latin typeface="Times New Roman" pitchFamily="18" charset="0"/>
+                <a:cs typeface="Times New Roman" pitchFamily="18" charset="0"/>
               </a:rPr>
-              <a:t>5. Базируется на вычислительно трудной задаче дискретного логарифмирования.</a:t>
-            </a:r>
-          </a:p>
-          <a:p>
-            <a:r>
-              <a:rPr lang="ru-RU" sz="2400" dirty="0">
+              <a:t>.</a:t>
+            </a:r>
+          </a:p>
+          <a:p>
+            <a:pPr lvl="0"/>
+            <a:r>
+              <a:rPr lang="ru-RU" sz="2200" dirty="0" smtClean="0">
                 <a:latin typeface="Times New Roman" pitchFamily="18" charset="0"/>
+                <a:cs typeface="Times New Roman" pitchFamily="18" charset="0"/>
               </a:rPr>
-              <a:t>6. Предоставляет возможность реализации электронной подписи.</a:t>
-            </a:r>
-            <a:r>
-              <a:rPr lang="ru-RU" dirty="0"/>
-              <a:t> </a:t>
-            </a:r>
+              <a:t>Выявление ошибок и недочетов в обучающей программе </a:t>
+            </a:r>
+            <a:r>
+              <a:rPr lang="en-US" sz="2200" b="1" i="1" dirty="0" smtClean="0">
+                <a:latin typeface="Times New Roman" pitchFamily="18" charset="0"/>
+                <a:cs typeface="Times New Roman" pitchFamily="18" charset="0"/>
+              </a:rPr>
+              <a:t>El</a:t>
+            </a:r>
+            <a:r>
+              <a:rPr lang="ru-RU" sz="2200" b="1" i="1" dirty="0" smtClean="0">
+                <a:latin typeface="Times New Roman" pitchFamily="18" charset="0"/>
+                <a:cs typeface="Times New Roman" pitchFamily="18" charset="0"/>
+              </a:rPr>
+              <a:t>-</a:t>
+            </a:r>
+            <a:r>
+              <a:rPr lang="en-US" sz="2200" b="1" i="1" dirty="0" err="1" smtClean="0">
+                <a:latin typeface="Times New Roman" pitchFamily="18" charset="0"/>
+                <a:cs typeface="Times New Roman" pitchFamily="18" charset="0"/>
+              </a:rPr>
+              <a:t>Gamal</a:t>
+            </a:r>
+            <a:r>
+              <a:rPr lang="ru-RU" sz="2200" b="1" i="1" dirty="0" smtClean="0">
+                <a:latin typeface="Times New Roman" pitchFamily="18" charset="0"/>
+                <a:cs typeface="Times New Roman" pitchFamily="18" charset="0"/>
+              </a:rPr>
+              <a:t>_</a:t>
+            </a:r>
+            <a:r>
+              <a:rPr lang="en-US" sz="2200" b="1" i="1" dirty="0" smtClean="0">
+                <a:latin typeface="Times New Roman" pitchFamily="18" charset="0"/>
+                <a:cs typeface="Times New Roman" pitchFamily="18" charset="0"/>
+              </a:rPr>
+              <a:t>Tutor</a:t>
+            </a:r>
+            <a:r>
+              <a:rPr lang="ru-RU" sz="2200" dirty="0" smtClean="0">
+                <a:latin typeface="Times New Roman" pitchFamily="18" charset="0"/>
+                <a:cs typeface="Times New Roman" pitchFamily="18" charset="0"/>
+              </a:rPr>
+              <a:t>.</a:t>
+            </a:r>
+          </a:p>
+          <a:p>
+            <a:pPr lvl="0"/>
+            <a:r>
+              <a:rPr lang="ru-RU" sz="2200" dirty="0" smtClean="0">
+                <a:latin typeface="Times New Roman" pitchFamily="18" charset="0"/>
+                <a:cs typeface="Times New Roman" pitchFamily="18" charset="0"/>
+              </a:rPr>
+              <a:t>Результаты шифрования и </a:t>
+            </a:r>
+            <a:r>
+              <a:rPr lang="ru-RU" sz="2200" dirty="0" err="1" smtClean="0">
+                <a:latin typeface="Times New Roman" pitchFamily="18" charset="0"/>
+                <a:cs typeface="Times New Roman" pitchFamily="18" charset="0"/>
+              </a:rPr>
+              <a:t>расшифрования</a:t>
+            </a:r>
+            <a:r>
+              <a:rPr lang="ru-RU" sz="2200" dirty="0" smtClean="0">
+                <a:latin typeface="Times New Roman" pitchFamily="18" charset="0"/>
+                <a:cs typeface="Times New Roman" pitchFamily="18" charset="0"/>
+              </a:rPr>
+              <a:t> с использованием ППП.</a:t>
+            </a:r>
+          </a:p>
+          <a:p>
+            <a:pPr lvl="0"/>
+            <a:r>
+              <a:rPr lang="ru-RU" sz="2200" dirty="0" smtClean="0">
+                <a:latin typeface="Times New Roman" pitchFamily="18" charset="0"/>
+                <a:cs typeface="Times New Roman" pitchFamily="18" charset="0"/>
+              </a:rPr>
+              <a:t>Принципы работы алгоритма Эль </a:t>
+            </a:r>
+            <a:r>
+              <a:rPr lang="ru-RU" sz="2200" dirty="0" err="1" smtClean="0">
+                <a:latin typeface="Times New Roman" pitchFamily="18" charset="0"/>
+                <a:cs typeface="Times New Roman" pitchFamily="18" charset="0"/>
+              </a:rPr>
+              <a:t>Гамаля</a:t>
+            </a:r>
+            <a:r>
+              <a:rPr lang="ru-RU" sz="2200" dirty="0" smtClean="0">
+                <a:latin typeface="Times New Roman" pitchFamily="18" charset="0"/>
+                <a:cs typeface="Times New Roman" pitchFamily="18" charset="0"/>
+              </a:rPr>
+              <a:t>.</a:t>
+            </a:r>
+          </a:p>
+          <a:p>
+            <a:pPr lvl="0"/>
+            <a:r>
+              <a:rPr lang="ru-RU" sz="2200" dirty="0" smtClean="0">
+                <a:latin typeface="Times New Roman" pitchFamily="18" charset="0"/>
+                <a:cs typeface="Times New Roman" pitchFamily="18" charset="0"/>
+              </a:rPr>
+              <a:t>Последовательность этапов и результаты </a:t>
+            </a:r>
+            <a:r>
+              <a:rPr lang="ru-RU" sz="2200" dirty="0" err="1" smtClean="0">
+                <a:latin typeface="Times New Roman" pitchFamily="18" charset="0"/>
+                <a:cs typeface="Times New Roman" pitchFamily="18" charset="0"/>
+              </a:rPr>
+              <a:t>криптоанализа</a:t>
+            </a:r>
+            <a:r>
+              <a:rPr lang="ru-RU" sz="2200" dirty="0" smtClean="0">
+                <a:latin typeface="Times New Roman" pitchFamily="18" charset="0"/>
+                <a:cs typeface="Times New Roman" pitchFamily="18" charset="0"/>
+              </a:rPr>
+              <a:t>.</a:t>
+            </a:r>
+          </a:p>
+          <a:p>
+            <a:pPr lvl="0"/>
+            <a:r>
+              <a:rPr lang="ru-RU" sz="2200" dirty="0" smtClean="0">
+                <a:latin typeface="Times New Roman" pitchFamily="18" charset="0"/>
+                <a:cs typeface="Times New Roman" pitchFamily="18" charset="0"/>
+              </a:rPr>
+              <a:t>Ответы на контрольные вопросы.</a:t>
+            </a:r>
+          </a:p>
+          <a:p>
+            <a:r>
+              <a:rPr lang="ru-RU" sz="2200" dirty="0" smtClean="0">
+                <a:latin typeface="Times New Roman" pitchFamily="18" charset="0"/>
+                <a:cs typeface="Times New Roman" pitchFamily="18" charset="0"/>
+              </a:rPr>
+              <a:t>Выводы</a:t>
+            </a:r>
+          </a:p>
+          <a:p>
+            <a:r>
+              <a:rPr lang="ru-RU" sz="2200" dirty="0" smtClean="0">
+                <a:latin typeface="Times New Roman" pitchFamily="18" charset="0"/>
+                <a:cs typeface="Times New Roman" pitchFamily="18" charset="0"/>
+              </a:rPr>
+              <a:t>Библиография</a:t>
+            </a:r>
+            <a:endParaRPr lang="ru-RU" sz="2200" dirty="0">
+              <a:latin typeface="Times New Roman" pitchFamily="18" charset="0"/>
+              <a:cs typeface="Times New Roman" pitchFamily="18" charset="0"/>
+            </a:endParaRPr>
           </a:p>
         </p:txBody>
       </p:sp>
@@ -8528,7 +8818,7 @@
       </p:grpSpPr>
       <p:sp>
         <p:nvSpPr>
-          <p:cNvPr id="184322" name="Rectangle 2"/>
+          <p:cNvPr id="197634" name="Rectangle 2"/>
           <p:cNvSpPr>
             <a:spLocks noGrp="1" noChangeArrowheads="1"/>
           </p:cNvSpPr>
@@ -8536,23 +8826,240 @@
             <p:ph type="title"/>
           </p:nvPr>
         </p:nvSpPr>
-        <p:spPr/>
+        <p:spPr>
+          <a:xfrm>
+            <a:off x="1500166" y="285728"/>
+            <a:ext cx="7381875" cy="720725"/>
+          </a:xfrm>
+        </p:spPr>
         <p:txBody>
           <a:bodyPr/>
           <a:lstStyle/>
           <a:p>
+            <a:r>
+              <a:rPr lang="ru-RU" sz="2800" dirty="0" smtClean="0"/>
+              <a:t>Принципы работы алгоритма</a:t>
+            </a:r>
+            <a:br>
+              <a:rPr lang="ru-RU" sz="2800" dirty="0" smtClean="0"/>
+            </a:br>
+            <a:r>
+              <a:rPr lang="ru-RU" sz="2800" dirty="0" smtClean="0"/>
+              <a:t> Эль </a:t>
+            </a:r>
+            <a:r>
+              <a:rPr lang="ru-RU" sz="2800" dirty="0" smtClean="0"/>
+              <a:t>Гамаля</a:t>
+            </a:r>
+            <a:r>
+              <a:rPr lang="ru-RU" sz="2400" dirty="0" smtClean="0"/>
+              <a:t>                             </a:t>
+            </a:r>
+            <a:r>
+              <a:rPr lang="en-US" sz="2400" dirty="0" smtClean="0"/>
+              <a:t>	</a:t>
+            </a:r>
+            <a:r>
+              <a:rPr lang="ru-RU" sz="2400" dirty="0" smtClean="0"/>
+              <a:t>      </a:t>
+            </a:r>
+            <a:fld id="{5E45AA09-A76D-4A06-B96D-9FFABFFE7A81}" type="slidenum">
+              <a:rPr lang="en-US" sz="2000" smtClean="0"/>
+              <a:t>6</a:t>
+            </a:fld>
+            <a:r>
+              <a:rPr lang="ru-RU" sz="2000" dirty="0" smtClean="0"/>
+              <a:t>/31</a:t>
+            </a:r>
+            <a:endParaRPr lang="ru-RU" sz="2000" dirty="0"/>
+          </a:p>
+        </p:txBody>
+      </p:sp>
+      <p:sp>
+        <p:nvSpPr>
+          <p:cNvPr id="197635" name="Rectangle 3"/>
+          <p:cNvSpPr>
+            <a:spLocks noGrp="1" noChangeArrowheads="1"/>
+          </p:cNvSpPr>
+          <p:nvPr>
+            <p:ph type="body" idx="1"/>
+          </p:nvPr>
+        </p:nvSpPr>
+        <p:spPr>
+          <a:xfrm>
+            <a:off x="1476375" y="1268413"/>
+            <a:ext cx="7391400" cy="5257800"/>
+          </a:xfrm>
+        </p:spPr>
+        <p:txBody>
+          <a:bodyPr/>
+          <a:lstStyle/>
+          <a:p>
+            <a:r>
+              <a:rPr lang="ru-RU" sz="2400" dirty="0">
+                <a:latin typeface="Times New Roman" pitchFamily="18" charset="0"/>
+              </a:rPr>
+              <a:t>1. Криптосистема асимметричная (</a:t>
+            </a:r>
+            <a:r>
+              <a:rPr lang="ru-RU" sz="2400" dirty="0" err="1">
+                <a:latin typeface="Times New Roman" pitchFamily="18" charset="0"/>
+              </a:rPr>
+              <a:t>двухключевая</a:t>
+            </a:r>
+            <a:r>
+              <a:rPr lang="ru-RU" sz="2400" dirty="0">
+                <a:latin typeface="Times New Roman" pitchFamily="18" charset="0"/>
+              </a:rPr>
+              <a:t>).</a:t>
+            </a:r>
+          </a:p>
+          <a:p>
+            <a:r>
+              <a:rPr lang="ru-RU" sz="2400" dirty="0">
+                <a:latin typeface="Times New Roman" pitchFamily="18" charset="0"/>
+              </a:rPr>
+              <a:t>2. Блочная, с длиной блока открытого текста, меньше или равной длине открытого (публичного) ключа.</a:t>
+            </a:r>
+          </a:p>
+          <a:p>
+            <a:r>
+              <a:rPr lang="ru-RU" sz="2400" dirty="0">
+                <a:latin typeface="Times New Roman" pitchFamily="18" charset="0"/>
+              </a:rPr>
+              <a:t>3. Длина открытого и закрытого ключей, по современным представлениям, </a:t>
+            </a:r>
+            <a:r>
+              <a:rPr lang="ru-RU" sz="2400" dirty="0" smtClean="0">
+                <a:latin typeface="Times New Roman" pitchFamily="18" charset="0"/>
+              </a:rPr>
+              <a:t>2048 </a:t>
+            </a:r>
+            <a:r>
+              <a:rPr lang="ru-RU" sz="2400" dirty="0">
+                <a:latin typeface="Times New Roman" pitchFamily="18" charset="0"/>
+              </a:rPr>
+              <a:t>бит или более.</a:t>
+            </a:r>
+          </a:p>
+          <a:p>
+            <a:r>
+              <a:rPr lang="ru-RU" sz="2400" dirty="0">
+                <a:latin typeface="Times New Roman" pitchFamily="18" charset="0"/>
+              </a:rPr>
+              <a:t>4. Используется лишь один метод шифрования – метод аналитических преобразований.</a:t>
+            </a:r>
+          </a:p>
+          <a:p>
+            <a:r>
+              <a:rPr lang="ru-RU" sz="2400" dirty="0">
+                <a:latin typeface="Times New Roman" pitchFamily="18" charset="0"/>
+              </a:rPr>
+              <a:t>5. Базируется на вычислительно трудной задаче дискретного логарифмирования.</a:t>
+            </a:r>
+          </a:p>
+          <a:p>
+            <a:r>
+              <a:rPr lang="ru-RU" sz="2400" dirty="0">
+                <a:latin typeface="Times New Roman" pitchFamily="18" charset="0"/>
+              </a:rPr>
+              <a:t>6. Предоставляет возможность реализации электронной подписи.</a:t>
+            </a:r>
+            <a:r>
+              <a:rPr lang="ru-RU" dirty="0"/>
+              <a:t> </a:t>
+            </a:r>
+          </a:p>
+        </p:txBody>
+      </p:sp>
+      <p:pic>
+        <p:nvPicPr>
+          <p:cNvPr id="197636" name="Picture 4"/>
+          <p:cNvPicPr>
+            <a:picLocks noChangeAspect="1" noChangeArrowheads="1"/>
+          </p:cNvPicPr>
+          <p:nvPr/>
+        </p:nvPicPr>
+        <p:blipFill>
+          <a:blip r:embed="rId2"/>
+          <a:srcRect/>
+          <a:stretch>
+            <a:fillRect/>
+          </a:stretch>
+        </p:blipFill>
+        <p:spPr bwMode="auto">
+          <a:xfrm>
+            <a:off x="107950" y="115888"/>
+            <a:ext cx="1331913" cy="982662"/>
+          </a:xfrm>
+          <a:prstGeom prst="rect">
+            <a:avLst/>
+          </a:prstGeom>
+          <a:noFill/>
+        </p:spPr>
+      </p:pic>
+    </p:spTree>
+  </p:cSld>
+  <p:clrMapOvr>
+    <a:masterClrMapping/>
+  </p:clrMapOvr>
+  <p:transition>
+    <p:wipe dir="r"/>
+  </p:transition>
+  <p:timing>
+    <p:tnLst>
+      <p:par>
+        <p:cTn id="1" dur="indefinite" restart="never" nodeType="tmRoot"/>
+      </p:par>
+    </p:tnLst>
+  </p:timing>
+</p:sld>
+</file>
+
+<file path=ppt/slides/slide7.xml><?xml version="1.0" encoding="utf-8"?>
+<p:sld xmlns:a="http://schemas.openxmlformats.org/drawingml/2006/main" xmlns:r="http://schemas.openxmlformats.org/officeDocument/2006/relationships" xmlns:p="http://schemas.openxmlformats.org/presentationml/2006/main">
+  <p:cSld>
+    <p:spTree>
+      <p:nvGrpSpPr>
+        <p:cNvPr id="1" name=""/>
+        <p:cNvGrpSpPr/>
+        <p:nvPr/>
+      </p:nvGrpSpPr>
+      <p:grpSpPr>
+        <a:xfrm>
+          <a:off x="0" y="0"/>
+          <a:ext cx="0" cy="0"/>
+          <a:chOff x="0" y="0"/>
+          <a:chExt cx="0" cy="0"/>
+        </a:xfrm>
+      </p:grpSpPr>
+      <p:sp>
+        <p:nvSpPr>
+          <p:cNvPr id="184322" name="Rectangle 2"/>
+          <p:cNvSpPr>
+            <a:spLocks noGrp="1" noChangeArrowheads="1"/>
+          </p:cNvSpPr>
+          <p:nvPr>
+            <p:ph type="title"/>
+          </p:nvPr>
+        </p:nvSpPr>
+        <p:spPr/>
+        <p:txBody>
+          <a:bodyPr/>
+          <a:lstStyle/>
+          <a:p>
             <a:pPr algn="ctr"/>
             <a:r>
               <a:rPr lang="ru-RU" dirty="0"/>
               <a:t>Основная форма         </a:t>
             </a:r>
-            <a:r>
-              <a:rPr lang="en-US" sz="2400" dirty="0" smtClean="0"/>
-              <a:t>6</a:t>
-            </a:r>
+            <a:fld id="{D2C05021-2AE3-4E9A-96C1-98E40A609A2F}" type="slidenum">
+              <a:rPr lang="en-US" sz="2400" smtClean="0"/>
+              <a:t>7</a:t>
+            </a:fld>
             <a:r>
               <a:rPr lang="ru-RU" sz="2400" dirty="0" smtClean="0"/>
-              <a:t>/30</a:t>
+              <a:t>/31</a:t>
             </a:r>
             <a:endParaRPr lang="ru-RU" sz="2800" dirty="0"/>
           </a:p>
@@ -8668,7 +9175,7 @@
 </p:sld>
 </file>
 
-<file path=ppt/slides/slide7.xml><?xml version="1.0" encoding="utf-8"?>
+<file path=ppt/slides/slide8.xml><?xml version="1.0" encoding="utf-8"?>
 <p:sld xmlns:a="http://schemas.openxmlformats.org/drawingml/2006/main" xmlns:r="http://schemas.openxmlformats.org/officeDocument/2006/relationships" xmlns:p="http://schemas.openxmlformats.org/presentationml/2006/main">
   <p:cSld>
     <p:spTree>
@@ -8705,13 +9212,13 @@
               <a:rPr lang="ru-RU" sz="3600" dirty="0"/>
               <a:t>Режим обучения: 1-ый шаг    </a:t>
             </a:r>
-            <a:r>
-              <a:rPr lang="en-US" sz="2400" dirty="0" smtClean="0"/>
-              <a:t>7</a:t>
-            </a:r>
+            <a:fld id="{957697CA-ACAF-4617-BF20-C65841987C78}" type="slidenum">
+              <a:rPr lang="en-US" sz="2400" smtClean="0"/>
+              <a:t>8</a:t>
+            </a:fld>
             <a:r>
               <a:rPr lang="ru-RU" sz="2400" dirty="0" smtClean="0"/>
-              <a:t>/30</a:t>
+              <a:t>/31</a:t>
             </a:r>
             <a:endParaRPr lang="ru-RU" sz="2400" dirty="0"/>
           </a:p>
@@ -8802,7 +9309,7 @@
 </p:sld>
 </file>
 
-<file path=ppt/slides/slide8.xml><?xml version="1.0" encoding="utf-8"?>
+<file path=ppt/slides/slide9.xml><?xml version="1.0" encoding="utf-8"?>
 <p:sld xmlns:a="http://schemas.openxmlformats.org/drawingml/2006/main" xmlns:r="http://schemas.openxmlformats.org/officeDocument/2006/relationships" xmlns:p="http://schemas.openxmlformats.org/presentationml/2006/main">
   <p:cSld>
     <p:spTree>
@@ -8847,13 +9354,13 @@
               <a:rPr lang="en-US" dirty="0" smtClean="0"/>
               <a:t>    </a:t>
             </a:r>
-            <a:r>
-              <a:rPr lang="en-US" sz="2400" dirty="0" smtClean="0"/>
-              <a:t>8</a:t>
-            </a:r>
+            <a:fld id="{8296C4AE-13FA-4B24-8888-7166C86D6268}" type="slidenum">
+              <a:rPr lang="en-US" sz="2400" smtClean="0"/>
+              <a:t>9</a:t>
+            </a:fld>
             <a:r>
               <a:rPr lang="ru-RU" sz="2400" dirty="0" smtClean="0"/>
-              <a:t>/30</a:t>
+              <a:t>/31</a:t>
             </a:r>
             <a:r>
               <a:rPr lang="ru-RU" dirty="0" smtClean="0"/>
@@ -8914,144 +9421,6 @@
           <a:xfrm>
             <a:off x="3203848" y="1268759"/>
             <a:ext cx="3528392" cy="5303345"/>
-          </a:xfrm>
-          <a:prstGeom prst="rect">
-            <a:avLst/>
-          </a:prstGeom>
-          <a:noFill/>
-          <a:extLst>
-            <a:ext uri="{909E8E84-426E-40DD-AFC4-6F175D3DCCD1}">
-              <a14:hiddenFill xmlns:a14="http://schemas.microsoft.com/office/drawing/2010/main">
-                <a:solidFill>
-                  <a:srgbClr val="FFFFFF"/>
-                </a:solidFill>
-              </a14:hiddenFill>
-            </a:ext>
-          </a:extLst>
-        </p:spPr>
-      </p:pic>
-    </p:spTree>
-  </p:cSld>
-  <p:clrMapOvr>
-    <a:masterClrMapping/>
-  </p:clrMapOvr>
-  <p:transition>
-    <p:wipe dir="r"/>
-  </p:transition>
-  <p:timing>
-    <p:tnLst>
-      <p:par>
-        <p:cTn id="1" dur="indefinite" restart="never" nodeType="tmRoot"/>
-      </p:par>
-    </p:tnLst>
-  </p:timing>
-</p:sld>
-</file>
-
-<file path=ppt/slides/slide9.xml><?xml version="1.0" encoding="utf-8"?>
-<p:sld xmlns:a="http://schemas.openxmlformats.org/drawingml/2006/main" xmlns:r="http://schemas.openxmlformats.org/officeDocument/2006/relationships" xmlns:p="http://schemas.openxmlformats.org/presentationml/2006/main">
-  <p:cSld>
-    <p:spTree>
-      <p:nvGrpSpPr>
-        <p:cNvPr id="1" name=""/>
-        <p:cNvGrpSpPr/>
-        <p:nvPr/>
-      </p:nvGrpSpPr>
-      <p:grpSpPr>
-        <a:xfrm>
-          <a:off x="0" y="0"/>
-          <a:ext cx="0" cy="0"/>
-          <a:chOff x="0" y="0"/>
-          <a:chExt cx="0" cy="0"/>
-        </a:xfrm>
-      </p:grpSpPr>
-      <p:sp>
-        <p:nvSpPr>
-          <p:cNvPr id="186370" name="Rectangle 2"/>
-          <p:cNvSpPr>
-            <a:spLocks noGrp="1" noChangeArrowheads="1"/>
-          </p:cNvSpPr>
-          <p:nvPr>
-            <p:ph type="title"/>
-          </p:nvPr>
-        </p:nvSpPr>
-        <p:spPr/>
-        <p:txBody>
-          <a:bodyPr/>
-          <a:lstStyle/>
-          <a:p>
-            <a:pPr algn="ctr"/>
-            <a:r>
-              <a:rPr lang="ru-RU" sz="3600" dirty="0"/>
-              <a:t>Режим обучения: 3-ий шаг </a:t>
-            </a:r>
-            <a:r>
-              <a:rPr lang="en-US" sz="3600" dirty="0" smtClean="0"/>
-              <a:t>   </a:t>
-            </a:r>
-            <a:r>
-              <a:rPr lang="en-US" sz="2400" dirty="0" smtClean="0"/>
-              <a:t>9</a:t>
-            </a:r>
-            <a:r>
-              <a:rPr lang="ru-RU" sz="2400" dirty="0" smtClean="0"/>
-              <a:t>/30</a:t>
-            </a:r>
-            <a:endParaRPr lang="ru-RU" sz="2400" dirty="0"/>
-          </a:p>
-        </p:txBody>
-      </p:sp>
-      <p:pic>
-        <p:nvPicPr>
-          <p:cNvPr id="186373" name="Picture 5"/>
-          <p:cNvPicPr>
-            <a:picLocks noChangeAspect="1" noChangeArrowheads="1"/>
-          </p:cNvPicPr>
-          <p:nvPr/>
-        </p:nvPicPr>
-        <p:blipFill>
-          <a:blip r:embed="rId2"/>
-          <a:srcRect/>
-          <a:stretch>
-            <a:fillRect/>
-          </a:stretch>
-        </p:blipFill>
-        <p:spPr bwMode="auto">
-          <a:xfrm>
-            <a:off x="107950" y="115888"/>
-            <a:ext cx="1331913" cy="982662"/>
-          </a:xfrm>
-          <a:prstGeom prst="rect">
-            <a:avLst/>
-          </a:prstGeom>
-          <a:noFill/>
-        </p:spPr>
-      </p:pic>
-      <p:pic>
-        <p:nvPicPr>
-          <p:cNvPr id="3074" name="Picture 2" descr="E:\Dissertation\Master_dissertation\LaTeX\images\egt_t_modreverse.png"/>
-          <p:cNvPicPr>
-            <a:picLocks noChangeAspect="1" noChangeArrowheads="1"/>
-          </p:cNvPicPr>
-          <p:nvPr/>
-        </p:nvPicPr>
-        <p:blipFill>
-          <a:blip r:embed="rId3">
-            <a:extLst>
-              <a:ext uri="{28A0092B-C50C-407E-A947-70E740481C1C}">
-                <a14:useLocalDpi xmlns:a14="http://schemas.microsoft.com/office/drawing/2010/main" val="0"/>
-              </a:ext>
-            </a:extLst>
-          </a:blip>
-          <a:srcRect/>
-          <a:stretch>
-            <a:fillRect/>
-          </a:stretch>
-        </p:blipFill>
-        <p:spPr bwMode="auto">
-          <a:xfrm>
-            <a:off x="2339752" y="1196752"/>
-            <a:ext cx="5184576" cy="5345679"/>
           </a:xfrm>
           <a:prstGeom prst="rect">
             <a:avLst/>
